--- a/slides/day 1/D1C1_LR_NNs.pptx
+++ b/slides/day 1/D1C1_LR_NNs.pptx
@@ -3519,7 +3519,7 @@
           <a:p>
             <a:fld id="{FF5685EE-3D40-0A4E-BB88-46887330FC0A}" type="datetimeFigureOut">
               <a:rPr lang="en-US" smtClean="0"/>
-              <a:t>9/24/25</a:t>
+              <a:t>9/29/25</a:t>
             </a:fld>
             <a:endParaRPr lang="en-US"/>
           </a:p>
@@ -4064,7 +4064,7 @@
             <a:fld id="{16F2FB5F-D553-C945-B874-A642CC0C851F}" type="datetime3">
               <a:rPr lang="en-IE" smtClean="0"/>
               <a:pPr/>
-              <a:t>24 September 2025</a:t>
+              <a:t>29 September 2025</a:t>
             </a:fld>
             <a:endParaRPr lang="en-US" dirty="0"/>
           </a:p>
@@ -5381,7 +5381,7 @@
           <a:p>
             <a:fld id="{D724839B-90DF-FA46-9D52-D10060A86ADB}" type="datetime3">
               <a:rPr lang="en-IE" smtClean="0"/>
-              <a:t>24 September 2025</a:t>
+              <a:t>29 September 2025</a:t>
             </a:fld>
             <a:endParaRPr lang="en-US"/>
           </a:p>
@@ -5670,7 +5670,7 @@
           <a:p>
             <a:fld id="{D3F12174-D4B7-E74D-A582-5C71C550CABE}" type="datetime3">
               <a:rPr lang="en-IE" smtClean="0"/>
-              <a:t>24 September 2025</a:t>
+              <a:t>29 September 2025</a:t>
             </a:fld>
             <a:endParaRPr lang="en-US"/>
           </a:p>
@@ -5966,7 +5966,7 @@
             <a:fld id="{16F2FB5F-D553-C945-B874-A642CC0C851F}" type="datetime3">
               <a:rPr lang="en-IE" smtClean="0"/>
               <a:pPr/>
-              <a:t>24 September 2025</a:t>
+              <a:t>29 September 2025</a:t>
             </a:fld>
             <a:endParaRPr lang="en-US" dirty="0"/>
           </a:p>
@@ -6178,7 +6178,7 @@
             <a:fld id="{16F2FB5F-D553-C945-B874-A642CC0C851F}" type="datetime3">
               <a:rPr lang="en-IE" smtClean="0"/>
               <a:pPr/>
-              <a:t>24 September 2025</a:t>
+              <a:t>29 September 2025</a:t>
             </a:fld>
             <a:endParaRPr lang="en-US" dirty="0"/>
           </a:p>
@@ -6575,7 +6575,7 @@
           <a:p>
             <a:fld id="{07196900-CA2A-2D43-9641-C5C0DD2D22D3}" type="datetime3">
               <a:rPr lang="en-IE" smtClean="0"/>
-              <a:t>24 September 2025</a:t>
+              <a:t>29 September 2025</a:t>
             </a:fld>
             <a:endParaRPr lang="en-US"/>
           </a:p>
@@ -6843,7 +6843,7 @@
           <a:p>
             <a:fld id="{8AB1A910-F8E0-D541-83F2-2CFD6E718762}" type="datetime3">
               <a:rPr lang="en-IE" smtClean="0"/>
-              <a:t>24 September 2025</a:t>
+              <a:t>29 September 2025</a:t>
             </a:fld>
             <a:endParaRPr lang="en-US"/>
           </a:p>
@@ -6985,7 +6985,7 @@
           <a:p>
             <a:fld id="{7E245B59-D3F3-5B43-BDD1-6C7B7CFD2AA6}" type="datetime3">
               <a:rPr lang="en-IE" smtClean="0"/>
-              <a:t>24 September 2025</a:t>
+              <a:t>29 September 2025</a:t>
             </a:fld>
             <a:endParaRPr lang="en-US"/>
           </a:p>
@@ -7098,7 +7098,7 @@
           <a:p>
             <a:fld id="{AD77DDCF-3644-8C44-AE36-2C59F897E125}" type="datetime3">
               <a:rPr lang="en-IE" smtClean="0"/>
-              <a:t>24 September 2025</a:t>
+              <a:t>29 September 2025</a:t>
             </a:fld>
             <a:endParaRPr lang="en-US"/>
           </a:p>
@@ -8169,7 +8169,7 @@
           <a:p>
             <a:fld id="{C1B28D5F-B017-3B47-9775-DA319F6143FF}" type="datetime3">
               <a:rPr lang="en-IE" smtClean="0"/>
-              <a:t>24 September 2025</a:t>
+              <a:t>29 September 2025</a:t>
             </a:fld>
             <a:endParaRPr lang="en-US" dirty="0"/>
           </a:p>
@@ -8656,43 +8656,6 @@
           </a:p>
         </p:txBody>
       </p:sp>
-      <p:sp>
-        <p:nvSpPr>
-          <p:cNvPr id="4" name="Date Placeholder 3">
-            <a:extLst>
-              <a:ext uri="{FF2B5EF4-FFF2-40B4-BE49-F238E27FC236}">
-                <a16:creationId xmlns:a16="http://schemas.microsoft.com/office/drawing/2014/main" id="{2C83DDF0-7F71-C659-1382-6A998C0FCCEF}"/>
-              </a:ext>
-            </a:extLst>
-          </p:cNvPr>
-          <p:cNvSpPr>
-            <a:spLocks noGrp="1"/>
-          </p:cNvSpPr>
-          <p:nvPr>
-            <p:ph type="dt" sz="half" idx="10"/>
-          </p:nvPr>
-        </p:nvSpPr>
-        <p:spPr/>
-        <p:txBody>
-          <a:bodyPr/>
-          <a:lstStyle/>
-          <a:p>
-            <a:r>
-              <a:rPr lang="en-IE" dirty="0"/>
-              <a:t>6</a:t>
-            </a:r>
-            <a:r>
-              <a:rPr lang="en-IE" baseline="30000" dirty="0"/>
-              <a:t>th</a:t>
-            </a:r>
-            <a:r>
-              <a:rPr lang="en-IE" dirty="0"/>
-              <a:t> October 2025</a:t>
-            </a:r>
-            <a:endParaRPr lang="en-US" dirty="0"/>
-          </a:p>
-        </p:txBody>
-      </p:sp>
     </p:spTree>
     <p:extLst>
       <p:ext uri="{BB962C8B-B14F-4D97-AF65-F5344CB8AC3E}">
@@ -8989,8 +8952,8 @@
           </a:p>
         </p:txBody>
       </p:sp>
-      <mc:AlternateContent xmlns:mc="http://schemas.openxmlformats.org/markup-compatibility/2006">
-        <mc:Choice xmlns:a14="http://schemas.microsoft.com/office/drawing/2010/main" Requires="a14">
+      <mc:AlternateContent xmlns:mc="http://schemas.openxmlformats.org/markup-compatibility/2006" xmlns:a14="http://schemas.microsoft.com/office/drawing/2010/main">
+        <mc:Choice Requires="a14">
           <p:sp>
             <p:nvSpPr>
               <p:cNvPr id="3" name="Content Placeholder 2">
@@ -9134,7 +9097,7 @@
             </p:txBody>
           </p:sp>
         </mc:Choice>
-        <mc:Fallback>
+        <mc:Fallback xmlns="">
           <p:sp>
             <p:nvSpPr>
               <p:cNvPr id="3" name="Content Placeholder 2">
@@ -11394,8 +11357,8 @@
           </a:p>
         </p:txBody>
       </p:sp>
-      <mc:AlternateContent xmlns:mc="http://schemas.openxmlformats.org/markup-compatibility/2006">
-        <mc:Choice xmlns:a14="http://schemas.microsoft.com/office/drawing/2010/main" Requires="a14">
+      <mc:AlternateContent xmlns:mc="http://schemas.openxmlformats.org/markup-compatibility/2006" xmlns:a14="http://schemas.microsoft.com/office/drawing/2010/main">
+        <mc:Choice Requires="a14">
           <p:sp>
             <p:nvSpPr>
               <p:cNvPr id="3" name="Content Placeholder 2">
@@ -11610,7 +11573,7 @@
             </p:txBody>
           </p:sp>
         </mc:Choice>
-        <mc:Fallback>
+        <mc:Fallback xmlns="">
           <p:sp>
             <p:nvSpPr>
               <p:cNvPr id="3" name="Content Placeholder 2">
@@ -13845,8 +13808,8 @@
           </a:p>
         </p:txBody>
       </p:sp>
-      <mc:AlternateContent xmlns:mc="http://schemas.openxmlformats.org/markup-compatibility/2006">
-        <mc:Choice xmlns:a14="http://schemas.microsoft.com/office/drawing/2010/main" Requires="a14">
+      <mc:AlternateContent xmlns:mc="http://schemas.openxmlformats.org/markup-compatibility/2006" xmlns:a14="http://schemas.microsoft.com/office/drawing/2010/main">
+        <mc:Choice Requires="a14">
           <p:sp>
             <p:nvSpPr>
               <p:cNvPr id="3" name="Content Placeholder 2">
@@ -14016,7 +13979,7 @@
             </p:txBody>
           </p:sp>
         </mc:Choice>
-        <mc:Fallback>
+        <mc:Fallback xmlns="">
           <p:sp>
             <p:nvSpPr>
               <p:cNvPr id="3" name="Content Placeholder 2">

--- a/slides/day 1/D1C1_LR_NNs.pptx
+++ b/slides/day 1/D1C1_LR_NNs.pptx
@@ -3519,7 +3519,7 @@
           <a:p>
             <a:fld id="{FF5685EE-3D40-0A4E-BB88-46887330FC0A}" type="datetimeFigureOut">
               <a:rPr lang="en-US" smtClean="0"/>
-              <a:t>9/29/25</a:t>
+              <a:t>9/30/25</a:t>
             </a:fld>
             <a:endParaRPr lang="en-US"/>
           </a:p>
@@ -4064,7 +4064,7 @@
             <a:fld id="{16F2FB5F-D553-C945-B874-A642CC0C851F}" type="datetime3">
               <a:rPr lang="en-IE" smtClean="0"/>
               <a:pPr/>
-              <a:t>29 September 2025</a:t>
+              <a:t>30 September 2025</a:t>
             </a:fld>
             <a:endParaRPr lang="en-US" dirty="0"/>
           </a:p>
@@ -5381,7 +5381,7 @@
           <a:p>
             <a:fld id="{D724839B-90DF-FA46-9D52-D10060A86ADB}" type="datetime3">
               <a:rPr lang="en-IE" smtClean="0"/>
-              <a:t>29 September 2025</a:t>
+              <a:t>30 September 2025</a:t>
             </a:fld>
             <a:endParaRPr lang="en-US"/>
           </a:p>
@@ -5670,7 +5670,7 @@
           <a:p>
             <a:fld id="{D3F12174-D4B7-E74D-A582-5C71C550CABE}" type="datetime3">
               <a:rPr lang="en-IE" smtClean="0"/>
-              <a:t>29 September 2025</a:t>
+              <a:t>30 September 2025</a:t>
             </a:fld>
             <a:endParaRPr lang="en-US"/>
           </a:p>
@@ -5966,7 +5966,7 @@
             <a:fld id="{16F2FB5F-D553-C945-B874-A642CC0C851F}" type="datetime3">
               <a:rPr lang="en-IE" smtClean="0"/>
               <a:pPr/>
-              <a:t>29 September 2025</a:t>
+              <a:t>30 September 2025</a:t>
             </a:fld>
             <a:endParaRPr lang="en-US" dirty="0"/>
           </a:p>
@@ -6178,7 +6178,7 @@
             <a:fld id="{16F2FB5F-D553-C945-B874-A642CC0C851F}" type="datetime3">
               <a:rPr lang="en-IE" smtClean="0"/>
               <a:pPr/>
-              <a:t>29 September 2025</a:t>
+              <a:t>30 September 2025</a:t>
             </a:fld>
             <a:endParaRPr lang="en-US" dirty="0"/>
           </a:p>
@@ -6575,7 +6575,7 @@
           <a:p>
             <a:fld id="{07196900-CA2A-2D43-9641-C5C0DD2D22D3}" type="datetime3">
               <a:rPr lang="en-IE" smtClean="0"/>
-              <a:t>29 September 2025</a:t>
+              <a:t>30 September 2025</a:t>
             </a:fld>
             <a:endParaRPr lang="en-US"/>
           </a:p>
@@ -6843,7 +6843,7 @@
           <a:p>
             <a:fld id="{8AB1A910-F8E0-D541-83F2-2CFD6E718762}" type="datetime3">
               <a:rPr lang="en-IE" smtClean="0"/>
-              <a:t>29 September 2025</a:t>
+              <a:t>30 September 2025</a:t>
             </a:fld>
             <a:endParaRPr lang="en-US"/>
           </a:p>
@@ -6985,7 +6985,7 @@
           <a:p>
             <a:fld id="{7E245B59-D3F3-5B43-BDD1-6C7B7CFD2AA6}" type="datetime3">
               <a:rPr lang="en-IE" smtClean="0"/>
-              <a:t>29 September 2025</a:t>
+              <a:t>30 September 2025</a:t>
             </a:fld>
             <a:endParaRPr lang="en-US"/>
           </a:p>
@@ -7098,7 +7098,7 @@
           <a:p>
             <a:fld id="{AD77DDCF-3644-8C44-AE36-2C59F897E125}" type="datetime3">
               <a:rPr lang="en-IE" smtClean="0"/>
-              <a:t>29 September 2025</a:t>
+              <a:t>30 September 2025</a:t>
             </a:fld>
             <a:endParaRPr lang="en-US"/>
           </a:p>
@@ -8169,7 +8169,7 @@
           <a:p>
             <a:fld id="{C1B28D5F-B017-3B47-9775-DA319F6143FF}" type="datetime3">
               <a:rPr lang="en-IE" smtClean="0"/>
-              <a:t>29 September 2025</a:t>
+              <a:t>30 September 2025</a:t>
             </a:fld>
             <a:endParaRPr lang="en-US" dirty="0"/>
           </a:p>
@@ -9240,8 +9240,8 @@
           </a:p>
         </p:txBody>
       </p:sp>
-      <mc:AlternateContent xmlns:mc="http://schemas.openxmlformats.org/markup-compatibility/2006" xmlns:a14="http://schemas.microsoft.com/office/drawing/2010/main">
-        <mc:Choice Requires="a14">
+      <mc:AlternateContent xmlns:mc="http://schemas.openxmlformats.org/markup-compatibility/2006">
+        <mc:Choice xmlns:a14="http://schemas.microsoft.com/office/drawing/2010/main" Requires="a14">
           <p:sp>
             <p:nvSpPr>
               <p:cNvPr id="3" name="Content Placeholder 2">
@@ -9332,7 +9332,7 @@
                         <a:rPr lang="en-IE" b="0" i="1" smtClean="0">
                           <a:latin typeface="Cambria Math" panose="02040503050406030204" pitchFamily="18" charset="0"/>
                         </a:rPr>
-                        <m:t>𝑒</m:t>
+                        <m:t>𝑟</m:t>
                       </m:r>
                     </m:oMath>
                   </m:oMathPara>
@@ -9409,16 +9409,16 @@
                 <a14:m>
                   <m:oMath xmlns:m="http://schemas.openxmlformats.org/officeDocument/2006/math">
                     <m:r>
-                      <a:rPr lang="en-US" i="1" dirty="0" smtClean="0">
+                      <a:rPr lang="en-IE" b="0" i="1" dirty="0" smtClean="0">
                         <a:latin typeface="Cambria Math" panose="02040503050406030204" pitchFamily="18" charset="0"/>
                       </a:rPr>
-                      <m:t>𝑒</m:t>
+                      <m:t>𝑟</m:t>
                     </m:r>
                   </m:oMath>
                 </a14:m>
                 <a:r>
                   <a:rPr lang="en-US" dirty="0"/>
-                  <a:t> is an error (or residual) leftover term</a:t>
+                  <a:t> is a residual (or error) leftover term</a:t>
                 </a:r>
               </a:p>
               <a:p>
@@ -9488,10 +9488,10 @@
                           </m:sSupPr>
                           <m:e>
                             <m:r>
-                              <a:rPr lang="en-US" i="1" dirty="0">
+                              <a:rPr lang="en-IE" b="0" i="1" dirty="0" smtClean="0">
                                 <a:latin typeface="Cambria Math" panose="02040503050406030204" pitchFamily="18" charset="0"/>
                               </a:rPr>
-                              <m:t>𝑒</m:t>
+                              <m:t>𝑟</m:t>
                             </m:r>
                           </m:e>
                           <m:sup>
@@ -9540,7 +9540,7 @@
                         <m:sSup>
                           <m:sSupPr>
                             <m:ctrlPr>
-                              <a:rPr lang="en-US" i="1" dirty="0">
+                              <a:rPr lang="en-US" i="1" dirty="0" smtClean="0">
                                 <a:solidFill>
                                   <a:srgbClr val="009749"/>
                                 </a:solidFill>
@@ -9550,13 +9550,13 @@
                           </m:sSupPr>
                           <m:e>
                             <m:r>
-                              <a:rPr lang="en-US" i="1" dirty="0">
+                              <a:rPr lang="en-IE" b="0" i="1" dirty="0" smtClean="0">
                                 <a:solidFill>
                                   <a:srgbClr val="009749"/>
                                 </a:solidFill>
                                 <a:latin typeface="Cambria Math" panose="02040503050406030204" pitchFamily="18" charset="0"/>
                               </a:rPr>
-                              <m:t>𝑒</m:t>
+                              <m:t>𝑟</m:t>
                             </m:r>
                           </m:e>
                           <m:sup>
@@ -9587,7 +9587,7 @@
             </p:txBody>
           </p:sp>
         </mc:Choice>
-        <mc:Fallback xmlns="">
+        <mc:Fallback>
           <p:sp>
             <p:nvSpPr>
               <p:cNvPr id="3" name="Content Placeholder 2">
@@ -12125,7 +12125,12 @@
             <p:ph idx="1"/>
           </p:nvPr>
         </p:nvSpPr>
-        <p:spPr/>
+        <p:spPr>
+          <a:xfrm>
+            <a:off x="838199" y="1825625"/>
+            <a:ext cx="8605603" cy="4149290"/>
+          </a:xfrm>
+        </p:spPr>
         <p:txBody>
           <a:bodyPr>
             <a:normAutofit/>
@@ -12134,7 +12139,7 @@
           <a:p>
             <a:r>
               <a:rPr lang="en-US" dirty="0"/>
-              <a:t>Quick round table</a:t>
+              <a:t>Quick round table (who are you and why are you here?)</a:t>
             </a:r>
           </a:p>
           <a:p>
@@ -12322,7 +12327,7 @@
         <p:spPr/>
         <p:txBody>
           <a:bodyPr>
-            <a:normAutofit fontScale="85000" lnSpcReduction="20000"/>
+            <a:normAutofit fontScale="62500" lnSpcReduction="20000"/>
           </a:bodyPr>
           <a:lstStyle/>
           <a:p>
@@ -12334,7 +12339,7 @@
                 <a:latin typeface="Courier New" panose="02070309020205020404" pitchFamily="49" charset="0"/>
                 <a:cs typeface="Courier New" panose="02070309020205020404" pitchFamily="49" charset="0"/>
               </a:rPr>
-              <a:t>Epoch 0, Loss: 8.1828, w: 0.5015, b: 0.0320</a:t>
+              <a:t>Epoch    0 | RMSE: 0.945800 | w: 0.998072 | b: 0.999874</a:t>
             </a:r>
           </a:p>
           <a:p>
@@ -12346,7 +12351,7 @@
                 <a:latin typeface="Courier New" panose="02070309020205020404" pitchFamily="49" charset="0"/>
                 <a:cs typeface="Courier New" panose="02070309020205020404" pitchFamily="49" charset="0"/>
               </a:rPr>
-              <a:t>Epoch 10, Loss: 0.7277, w: 1.0198, b: 0.0649</a:t>
+              <a:t>Epoch   12 | RMSE: 0.808423 | w: 0.981143 | b: 0.998764</a:t>
             </a:r>
           </a:p>
           <a:p>
@@ -12358,7 +12363,7 @@
                 <a:latin typeface="Courier New" panose="02070309020205020404" pitchFamily="49" charset="0"/>
                 <a:cs typeface="Courier New" panose="02070309020205020404" pitchFamily="49" charset="0"/>
               </a:rPr>
-              <a:t>Epoch 20, Loss: 0.7276, w: 1.0204, b: 0.0647</a:t>
+              <a:t>Epoch   24 | RMSE: 0.762661 | w: 0.971897 | b: 0.998145</a:t>
             </a:r>
           </a:p>
           <a:p>
@@ -12370,7 +12375,7 @@
                 <a:latin typeface="Courier New" panose="02070309020205020404" pitchFamily="49" charset="0"/>
                 <a:cs typeface="Courier New" panose="02070309020205020404" pitchFamily="49" charset="0"/>
               </a:rPr>
-              <a:t>Epoch 30, Loss: 0.7276, w: 1.0204, b: 0.0645</a:t>
+              <a:t>Epoch   36 | RMSE: 0.748466 | w: 0.966848 | b: 0.997794</a:t>
             </a:r>
           </a:p>
           <a:p>
@@ -12382,7 +12387,7 @@
                 <a:latin typeface="Courier New" panose="02070309020205020404" pitchFamily="49" charset="0"/>
                 <a:cs typeface="Courier New" panose="02070309020205020404" pitchFamily="49" charset="0"/>
               </a:rPr>
-              <a:t>Epoch 40, Loss: 0.7276, w: 1.0204, b: 0.0643</a:t>
+              <a:t>Epoch   48 | RMSE: 0.744178 | w: 0.964091 | b: 0.997589</a:t>
             </a:r>
           </a:p>
           <a:p>
@@ -12394,7 +12399,7 @@
                 <a:latin typeface="Courier New" panose="02070309020205020404" pitchFamily="49" charset="0"/>
                 <a:cs typeface="Courier New" panose="02070309020205020404" pitchFamily="49" charset="0"/>
               </a:rPr>
-              <a:t>Epoch 50, Loss: 0.7276, w: 1.0204, b: 0.0640</a:t>
+              <a:t>Epoch   60 | RMSE: 0.742894 | w: 0.962586 | b: 0.997464</a:t>
             </a:r>
           </a:p>
           <a:p>
@@ -12406,7 +12411,7 @@
                 <a:latin typeface="Courier New" panose="02070309020205020404" pitchFamily="49" charset="0"/>
                 <a:cs typeface="Courier New" panose="02070309020205020404" pitchFamily="49" charset="0"/>
               </a:rPr>
-              <a:t>Epoch 60, Loss: 0.7276, w: 1.0204, b: 0.0638</a:t>
+              <a:t>Epoch   72 | RMSE: 0.742510 | w: 0.961764 | b: 0.997383</a:t>
             </a:r>
           </a:p>
           <a:p>
@@ -12418,7 +12423,7 @@
                 <a:latin typeface="Courier New" panose="02070309020205020404" pitchFamily="49" charset="0"/>
                 <a:cs typeface="Courier New" panose="02070309020205020404" pitchFamily="49" charset="0"/>
               </a:rPr>
-              <a:t>Epoch 70, Loss: 0.7276, w: 1.0204, b: 0.0636</a:t>
+              <a:t>Epoch   84 | RMSE: 0.742395 | w: 0.961317 | b: 0.997326</a:t>
             </a:r>
           </a:p>
           <a:p>
@@ -12430,7 +12435,7 @@
                 <a:latin typeface="Courier New" panose="02070309020205020404" pitchFamily="49" charset="0"/>
                 <a:cs typeface="Courier New" panose="02070309020205020404" pitchFamily="49" charset="0"/>
               </a:rPr>
-              <a:t>Epoch 80, Loss: 0.7276, w: 1.0205, b: 0.0634</a:t>
+              <a:t>Epoch   96 | RMSE: 0.742360 | w: 0.961073 | b: 0.997282</a:t>
             </a:r>
           </a:p>
           <a:p>
@@ -12442,7 +12447,7 @@
                 <a:latin typeface="Courier New" panose="02070309020205020404" pitchFamily="49" charset="0"/>
                 <a:cs typeface="Courier New" panose="02070309020205020404" pitchFamily="49" charset="0"/>
               </a:rPr>
-              <a:t>Epoch 90, Loss: 0.7276, w: 1.0205, b: 0.0631</a:t>
+              <a:t>Epoch  108 | RMSE: 0.742350 | w: 0.960941 | b: 0.997245</a:t>
             </a:r>
           </a:p>
         </p:txBody>
@@ -13173,7 +13178,7 @@
           <a:p>
             <a:r>
               <a:rPr lang="en-US" dirty="0"/>
-              <a:t>Stochastic GD: updates using fewer samples; faster but noisy</a:t>
+              <a:t>Stochastic GD: updates using fewer (or just one) samples; faster but noisy</a:t>
             </a:r>
           </a:p>
           <a:p>
@@ -13282,7 +13287,15 @@
                 <a:ea typeface="Arial" pitchFamily="34" charset="-122"/>
                 <a:cs typeface="Arial" pitchFamily="34" charset="-120"/>
               </a:rPr>
-              <a:t>Feature Scaling &amp; Normalization</a:t>
+              <a:t>Feature Scaling &amp; </a:t>
+            </a:r>
+            <a:r>
+              <a:rPr lang="en-US" sz="4400" dirty="0" err="1">
+                <a:latin typeface="Arial" pitchFamily="34" charset="0"/>
+                <a:ea typeface="Arial" pitchFamily="34" charset="-122"/>
+                <a:cs typeface="Arial" pitchFamily="34" charset="-120"/>
+              </a:rPr>
+              <a:t>Normalisation</a:t>
             </a:r>
             <a:endParaRPr lang="en-US" dirty="0"/>
           </a:p>
@@ -13315,8 +13328,13 @@
             </a:pPr>
             <a:r>
               <a:rPr lang="en-US" sz="2800" dirty="0"/>
-              <a:t>Inputs on different scales slow down optimization</a:t>
-            </a:r>
+              <a:t>Inputs on different scales slow down </a:t>
+            </a:r>
+            <a:r>
+              <a:rPr lang="en-US" sz="2800" dirty="0" err="1"/>
+              <a:t>optimisation</a:t>
+            </a:r>
+            <a:endParaRPr lang="en-US" sz="2800" dirty="0"/>
           </a:p>
           <a:p>
             <a:pPr marL="190500" indent="-190500">
@@ -13324,8 +13342,12 @@
               <a:buChar char="•"/>
             </a:pPr>
             <a:r>
+              <a:rPr lang="en-US" sz="2800" dirty="0" err="1"/>
+              <a:t>Standardise</a:t>
+            </a:r>
+            <a:r>
               <a:rPr lang="en-US" sz="2800" dirty="0"/>
-              <a:t>Standardize by removing the mean and scaling to unit variance</a:t>
+              <a:t> by removing the mean and scaling to unit variance</a:t>
             </a:r>
           </a:p>
           <a:p>
@@ -15126,82 +15148,132 @@
         </p:nvSpPr>
         <p:spPr>
           <a:xfrm>
-            <a:off x="1137034" y="2198362"/>
-            <a:ext cx="4958966" cy="3917773"/>
+            <a:off x="738247" y="2184914"/>
+            <a:ext cx="5825897" cy="3917773"/>
           </a:xfrm>
         </p:spPr>
         <p:txBody>
           <a:bodyPr vert="horz" lIns="91440" tIns="45720" rIns="91440" bIns="45720" rtlCol="0">
-            <a:normAutofit/>
+            <a:normAutofit fontScale="92500"/>
           </a:bodyPr>
           <a:lstStyle/>
           <a:p>
-            <a:pPr marL="0"/>
-            <a:r>
-              <a:rPr lang="en-US" sz="1300"/>
+            <a:pPr marL="0" indent="0">
+              <a:buNone/>
+            </a:pPr>
+            <a:r>
+              <a:rPr lang="en-US" sz="1300" dirty="0">
+                <a:latin typeface="Courier New" panose="02070309020205020404" pitchFamily="49" charset="0"/>
+                <a:cs typeface="Courier New" panose="02070309020205020404" pitchFamily="49" charset="0"/>
+              </a:rPr>
               <a:t>Epoch 0, Loss: 0.6931, w1: 0.0013, w2: -0.0127, b: -0.0001</a:t>
             </a:r>
           </a:p>
           <a:p>
-            <a:pPr marL="0"/>
-            <a:r>
-              <a:rPr lang="en-US" sz="1300"/>
+            <a:pPr marL="0" indent="0">
+              <a:buNone/>
+            </a:pPr>
+            <a:r>
+              <a:rPr lang="en-US" sz="1300" dirty="0">
+                <a:latin typeface="Courier New" panose="02070309020205020404" pitchFamily="49" charset="0"/>
+                <a:cs typeface="Courier New" panose="02070309020205020404" pitchFamily="49" charset="0"/>
+              </a:rPr>
               <a:t>Epoch 10, Loss: 0.6091, w1: 0.0146, w2: -0.1398, b: -0.0014</a:t>
             </a:r>
           </a:p>
           <a:p>
-            <a:pPr marL="0"/>
-            <a:r>
-              <a:rPr lang="en-US" sz="1300"/>
+            <a:pPr marL="0" indent="0">
+              <a:buNone/>
+            </a:pPr>
+            <a:r>
+              <a:rPr lang="en-US" sz="1300" dirty="0">
+                <a:latin typeface="Courier New" panose="02070309020205020404" pitchFamily="49" charset="0"/>
+                <a:cs typeface="Courier New" panose="02070309020205020404" pitchFamily="49" charset="0"/>
+              </a:rPr>
               <a:t>Epoch 20, Loss: 0.5366, w1: 0.0279, w2: -0.2670, b: -0.0026</a:t>
             </a:r>
           </a:p>
           <a:p>
-            <a:pPr marL="0"/>
-            <a:r>
-              <a:rPr lang="en-US" sz="1300"/>
+            <a:pPr marL="0" indent="0">
+              <a:buNone/>
+            </a:pPr>
+            <a:r>
+              <a:rPr lang="en-US" sz="1300" dirty="0">
+                <a:latin typeface="Courier New" panose="02070309020205020404" pitchFamily="49" charset="0"/>
+                <a:cs typeface="Courier New" panose="02070309020205020404" pitchFamily="49" charset="0"/>
+              </a:rPr>
               <a:t>Epoch 30, Loss: 0.4747, w1: 0.0412, w2: -0.3941, b: -0.0038</a:t>
             </a:r>
           </a:p>
           <a:p>
-            <a:pPr marL="0"/>
-            <a:r>
-              <a:rPr lang="en-US" sz="1300"/>
+            <a:pPr marL="0" indent="0">
+              <a:buNone/>
+            </a:pPr>
+            <a:r>
+              <a:rPr lang="en-US" sz="1300" dirty="0">
+                <a:latin typeface="Courier New" panose="02070309020205020404" pitchFamily="49" charset="0"/>
+                <a:cs typeface="Courier New" panose="02070309020205020404" pitchFamily="49" charset="0"/>
+              </a:rPr>
               <a:t>Epoch 40, Loss: 0.4223, w1: 0.0545, w2: -0.5212, b: -0.0051</a:t>
             </a:r>
           </a:p>
           <a:p>
-            <a:pPr marL="0"/>
-            <a:r>
-              <a:rPr lang="en-US" sz="1300"/>
+            <a:pPr marL="0" indent="0">
+              <a:buNone/>
+            </a:pPr>
+            <a:r>
+              <a:rPr lang="en-US" sz="1300" dirty="0">
+                <a:latin typeface="Courier New" panose="02070309020205020404" pitchFamily="49" charset="0"/>
+                <a:cs typeface="Courier New" panose="02070309020205020404" pitchFamily="49" charset="0"/>
+              </a:rPr>
               <a:t>Epoch 50, Loss: 0.3782, w1: 0.0678, w2: -0.6483, b: -0.0063</a:t>
             </a:r>
           </a:p>
           <a:p>
-            <a:pPr marL="0"/>
-            <a:r>
-              <a:rPr lang="en-US" sz="1300"/>
+            <a:pPr marL="0" indent="0">
+              <a:buNone/>
+            </a:pPr>
+            <a:r>
+              <a:rPr lang="en-US" sz="1300" dirty="0">
+                <a:latin typeface="Courier New" panose="02070309020205020404" pitchFamily="49" charset="0"/>
+                <a:cs typeface="Courier New" panose="02070309020205020404" pitchFamily="49" charset="0"/>
+              </a:rPr>
               <a:t>Epoch 60, Loss: 0.3409, w1: 0.0810, w2: -0.7755, b: -0.0075</a:t>
             </a:r>
           </a:p>
           <a:p>
-            <a:pPr marL="0"/>
-            <a:r>
-              <a:rPr lang="en-US" sz="1300"/>
+            <a:pPr marL="0" indent="0">
+              <a:buNone/>
+            </a:pPr>
+            <a:r>
+              <a:rPr lang="en-US" sz="1300" dirty="0">
+                <a:latin typeface="Courier New" panose="02070309020205020404" pitchFamily="49" charset="0"/>
+                <a:cs typeface="Courier New" panose="02070309020205020404" pitchFamily="49" charset="0"/>
+              </a:rPr>
               <a:t>Epoch 70, Loss: 0.3094, w1: 0.0943, w2: -0.9026, b: -0.0088</a:t>
             </a:r>
           </a:p>
           <a:p>
-            <a:pPr marL="0"/>
-            <a:r>
-              <a:rPr lang="en-US" sz="1300"/>
+            <a:pPr marL="0" indent="0">
+              <a:buNone/>
+            </a:pPr>
+            <a:r>
+              <a:rPr lang="en-US" sz="1300" dirty="0">
+                <a:latin typeface="Courier New" panose="02070309020205020404" pitchFamily="49" charset="0"/>
+                <a:cs typeface="Courier New" panose="02070309020205020404" pitchFamily="49" charset="0"/>
+              </a:rPr>
               <a:t>Epoch 80, Loss: 0.2826, w1: 0.1076, w2: -1.0297, b: -0.0100</a:t>
             </a:r>
           </a:p>
           <a:p>
-            <a:pPr marL="0"/>
-            <a:r>
-              <a:rPr lang="en-US" sz="1300"/>
+            <a:pPr marL="0" indent="0">
+              <a:buNone/>
+            </a:pPr>
+            <a:r>
+              <a:rPr lang="en-US" sz="1300" dirty="0">
+                <a:latin typeface="Courier New" panose="02070309020205020404" pitchFamily="49" charset="0"/>
+                <a:cs typeface="Courier New" panose="02070309020205020404" pitchFamily="49" charset="0"/>
+              </a:rPr>
               <a:t>Epoch 90, Loss: 0.2597, w1: 0.1209, w2: -1.1568, b: -0.0112</a:t>
             </a:r>
           </a:p>
@@ -15591,7 +15663,7 @@
                 <a:latin typeface="Courier New" panose="02070309020205020404" pitchFamily="49" charset="0"/>
                 <a:cs typeface="Courier New" panose="02070309020205020404" pitchFamily="49" charset="0"/>
               </a:rPr>
-              <a:t>requirements.txt</a:t>
+              <a:t>requirements_ECMWF.txt</a:t>
             </a:r>
             <a:r>
               <a:rPr lang="en-US" dirty="0">
@@ -15867,7 +15939,15 @@
           <a:p>
             <a:r>
               <a:rPr lang="en-US" dirty="0"/>
-              <a:t>Designed for students with either AI or weather/climate background</a:t>
+              <a:t>Designed for students with either AI </a:t>
+            </a:r>
+            <a:r>
+              <a:rPr lang="en-US" i="1" dirty="0"/>
+              <a:t>or</a:t>
+            </a:r>
+            <a:r>
+              <a:rPr lang="en-US" dirty="0"/>
+              <a:t> weather/climate background</a:t>
             </a:r>
           </a:p>
           <a:p>
@@ -16258,15 +16338,28 @@
             </a:r>
           </a:p>
           <a:p>
+            <a:pPr lvl="1"/>
+            <a:r>
+              <a:rPr lang="en-US" dirty="0"/>
+              <a:t>Presentations at the end of the day</a:t>
+            </a:r>
+          </a:p>
+          <a:p>
             <a:r>
               <a:rPr lang="en-US" dirty="0"/>
               <a:t>Computing labs use </a:t>
             </a:r>
             <a:r>
-              <a:rPr lang="en-US" dirty="0" err="1"/>
-              <a:t>pytorch</a:t>
-            </a:r>
-            <a:endParaRPr lang="en-US" dirty="0"/>
+              <a:rPr lang="en-US" dirty="0" err="1">
+                <a:latin typeface="Courier New" panose="02070309020205020404" pitchFamily="49" charset="0"/>
+                <a:cs typeface="Courier New" panose="02070309020205020404" pitchFamily="49" charset="0"/>
+              </a:rPr>
+              <a:t>PyTorch</a:t>
+            </a:r>
+            <a:endParaRPr lang="en-US" dirty="0">
+              <a:latin typeface="Courier New" panose="02070309020205020404" pitchFamily="49" charset="0"/>
+              <a:cs typeface="Courier New" panose="02070309020205020404" pitchFamily="49" charset="0"/>
+            </a:endParaRPr>
           </a:p>
           <a:p>
             <a:r>
@@ -16277,7 +16370,7 @@
           <a:p>
             <a:r>
               <a:rPr lang="en-US" dirty="0"/>
-              <a:t>Expect short quizzes, coding tasks, and pen-and-paper exercises</a:t>
+              <a:t>Expect to create short presentations, coding tasks, and pen-and-paper exercises</a:t>
             </a:r>
           </a:p>
         </p:txBody>
@@ -16422,13 +16515,19 @@
           <a:p>
             <a:r>
               <a:rPr lang="en-US" dirty="0"/>
+              <a:t>Transformers</a:t>
+            </a:r>
+          </a:p>
+          <a:p>
+            <a:r>
+              <a:rPr lang="en-US" dirty="0"/>
               <a:t>Graph NNs</a:t>
             </a:r>
           </a:p>
           <a:p>
             <a:r>
               <a:rPr lang="en-US" dirty="0"/>
-              <a:t>Transformers</a:t>
+              <a:t>Probabilistic forecasting with NNs</a:t>
             </a:r>
           </a:p>
         </p:txBody>

--- a/slides/day 1/D1C1_LR_NNs.pptx
+++ b/slides/day 1/D1C1_LR_NNs.pptx
@@ -149,7 +149,7 @@
 <file path=ppt/charts/chart1.xml><?xml version="1.0" encoding="utf-8"?>
 <c:chartSpace xmlns:c="http://schemas.openxmlformats.org/drawingml/2006/chart" xmlns:a="http://schemas.openxmlformats.org/drawingml/2006/main" xmlns:r="http://schemas.openxmlformats.org/officeDocument/2006/relationships" xmlns:c16r2="http://schemas.microsoft.com/office/drawing/2015/06/chart">
   <c:date1904 val="0"/>
-  <c:lang val="en-GB"/>
+  <c:lang val="en-US"/>
   <c:roundedCorners val="1"/>
   <mc:AlternateContent xmlns:mc="http://schemas.openxmlformats.org/markup-compatibility/2006">
     <mc:Choice xmlns:c14="http://schemas.microsoft.com/office/drawing/2007/8/2/chart" Requires="c14">
@@ -3519,7 +3519,7 @@
           <a:p>
             <a:fld id="{FF5685EE-3D40-0A4E-BB88-46887330FC0A}" type="datetimeFigureOut">
               <a:rPr lang="en-US" smtClean="0"/>
-              <a:t>9/30/25</a:t>
+              <a:t>10/4/2025</a:t>
             </a:fld>
             <a:endParaRPr lang="en-US"/>
           </a:p>
@@ -4064,7 +4064,7 @@
             <a:fld id="{16F2FB5F-D553-C945-B874-A642CC0C851F}" type="datetime3">
               <a:rPr lang="en-IE" smtClean="0"/>
               <a:pPr/>
-              <a:t>30 September 2025</a:t>
+              <a:t>4 October 2025</a:t>
             </a:fld>
             <a:endParaRPr lang="en-US" dirty="0"/>
           </a:p>
@@ -5381,7 +5381,7 @@
           <a:p>
             <a:fld id="{D724839B-90DF-FA46-9D52-D10060A86ADB}" type="datetime3">
               <a:rPr lang="en-IE" smtClean="0"/>
-              <a:t>30 September 2025</a:t>
+              <a:t>4 October 2025</a:t>
             </a:fld>
             <a:endParaRPr lang="en-US"/>
           </a:p>
@@ -5670,7 +5670,7 @@
           <a:p>
             <a:fld id="{D3F12174-D4B7-E74D-A582-5C71C550CABE}" type="datetime3">
               <a:rPr lang="en-IE" smtClean="0"/>
-              <a:t>30 September 2025</a:t>
+              <a:t>4 October 2025</a:t>
             </a:fld>
             <a:endParaRPr lang="en-US"/>
           </a:p>
@@ -5966,7 +5966,7 @@
             <a:fld id="{16F2FB5F-D553-C945-B874-A642CC0C851F}" type="datetime3">
               <a:rPr lang="en-IE" smtClean="0"/>
               <a:pPr/>
-              <a:t>30 September 2025</a:t>
+              <a:t>4 October 2025</a:t>
             </a:fld>
             <a:endParaRPr lang="en-US" dirty="0"/>
           </a:p>
@@ -6178,7 +6178,7 @@
             <a:fld id="{16F2FB5F-D553-C945-B874-A642CC0C851F}" type="datetime3">
               <a:rPr lang="en-IE" smtClean="0"/>
               <a:pPr/>
-              <a:t>30 September 2025</a:t>
+              <a:t>4 October 2025</a:t>
             </a:fld>
             <a:endParaRPr lang="en-US" dirty="0"/>
           </a:p>
@@ -6575,7 +6575,7 @@
           <a:p>
             <a:fld id="{07196900-CA2A-2D43-9641-C5C0DD2D22D3}" type="datetime3">
               <a:rPr lang="en-IE" smtClean="0"/>
-              <a:t>30 September 2025</a:t>
+              <a:t>4 October 2025</a:t>
             </a:fld>
             <a:endParaRPr lang="en-US"/>
           </a:p>
@@ -6843,7 +6843,7 @@
           <a:p>
             <a:fld id="{8AB1A910-F8E0-D541-83F2-2CFD6E718762}" type="datetime3">
               <a:rPr lang="en-IE" smtClean="0"/>
-              <a:t>30 September 2025</a:t>
+              <a:t>4 October 2025</a:t>
             </a:fld>
             <a:endParaRPr lang="en-US"/>
           </a:p>
@@ -6985,7 +6985,7 @@
           <a:p>
             <a:fld id="{7E245B59-D3F3-5B43-BDD1-6C7B7CFD2AA6}" type="datetime3">
               <a:rPr lang="en-IE" smtClean="0"/>
-              <a:t>30 September 2025</a:t>
+              <a:t>4 October 2025</a:t>
             </a:fld>
             <a:endParaRPr lang="en-US"/>
           </a:p>
@@ -7098,7 +7098,7 @@
           <a:p>
             <a:fld id="{AD77DDCF-3644-8C44-AE36-2C59F897E125}" type="datetime3">
               <a:rPr lang="en-IE" smtClean="0"/>
-              <a:t>30 September 2025</a:t>
+              <a:t>4 October 2025</a:t>
             </a:fld>
             <a:endParaRPr lang="en-US"/>
           </a:p>
@@ -8169,7 +8169,7 @@
           <a:p>
             <a:fld id="{C1B28D5F-B017-3B47-9775-DA319F6143FF}" type="datetime3">
               <a:rPr lang="en-IE" smtClean="0"/>
-              <a:t>30 September 2025</a:t>
+              <a:t>4 October 2025</a:t>
             </a:fld>
             <a:endParaRPr lang="en-US" dirty="0"/>
           </a:p>
@@ -9240,8 +9240,8 @@
           </a:p>
         </p:txBody>
       </p:sp>
-      <mc:AlternateContent xmlns:mc="http://schemas.openxmlformats.org/markup-compatibility/2006">
-        <mc:Choice xmlns:a14="http://schemas.microsoft.com/office/drawing/2010/main" Requires="a14">
+      <mc:AlternateContent xmlns:mc="http://schemas.openxmlformats.org/markup-compatibility/2006" xmlns:a14="http://schemas.microsoft.com/office/drawing/2010/main">
+        <mc:Choice Requires="a14">
           <p:sp>
             <p:nvSpPr>
               <p:cNvPr id="3" name="Content Placeholder 2">
@@ -9587,7 +9587,7 @@
             </p:txBody>
           </p:sp>
         </mc:Choice>
-        <mc:Fallback>
+        <mc:Fallback xmlns="">
           <p:sp>
             <p:nvSpPr>
               <p:cNvPr id="3" name="Content Placeholder 2">
@@ -12133,7 +12133,7 @@
         </p:spPr>
         <p:txBody>
           <a:bodyPr>
-            <a:normAutofit/>
+            <a:normAutofit lnSpcReduction="10000"/>
           </a:bodyPr>
           <a:lstStyle/>
           <a:p>
@@ -12155,10 +12155,23 @@
               <a:t>AI by Hand by Tom Yeh: </a:t>
             </a:r>
             <a:r>
+              <a:rPr lang="en-US" dirty="0">
+                <a:hlinkClick r:id="rId2"/>
+              </a:rPr>
+              <a:t>www.byhand.ai</a:t>
+            </a:r>
+            <a:endParaRPr lang="en-US" dirty="0"/>
+          </a:p>
+          <a:p>
+            <a:pPr lvl="1"/>
+            <a:r>
               <a:rPr lang="en-US" dirty="0" err="1"/>
-              <a:t>www.byhand.ai</a:t>
-            </a:r>
-            <a:endParaRPr lang="en-US" dirty="0"/>
+              <a:t>StatQuest</a:t>
+            </a:r>
+            <a:r>
+              <a:rPr lang="en-US" dirty="0"/>
+              <a:t> ‘Clearly Explained’ Videos</a:t>
+            </a:r>
           </a:p>
           <a:p>
             <a:pPr lvl="1"/>

--- a/slides/day 1/D1C1_LR_NNs.pptx
+++ b/slides/day 1/D1C1_LR_NNs.pptx
@@ -5,7 +5,7 @@
     <p:sldMasterId id="2147483648" r:id="rId1"/>
   </p:sldMasterIdLst>
   <p:notesMasterIdLst>
-    <p:notesMasterId r:id="rId34"/>
+    <p:notesMasterId r:id="rId35"/>
   </p:notesMasterIdLst>
   <p:sldIdLst>
     <p:sldId id="256" r:id="rId2"/>
@@ -32,14 +32,15 @@
     <p:sldId id="302" r:id="rId23"/>
     <p:sldId id="303" r:id="rId24"/>
     <p:sldId id="304" r:id="rId25"/>
-    <p:sldId id="305" r:id="rId26"/>
-    <p:sldId id="306" r:id="rId27"/>
-    <p:sldId id="308" r:id="rId28"/>
-    <p:sldId id="309" r:id="rId29"/>
-    <p:sldId id="310" r:id="rId30"/>
-    <p:sldId id="311" r:id="rId31"/>
-    <p:sldId id="312" r:id="rId32"/>
-    <p:sldId id="313" r:id="rId33"/>
+    <p:sldId id="318" r:id="rId26"/>
+    <p:sldId id="305" r:id="rId27"/>
+    <p:sldId id="306" r:id="rId28"/>
+    <p:sldId id="308" r:id="rId29"/>
+    <p:sldId id="309" r:id="rId30"/>
+    <p:sldId id="310" r:id="rId31"/>
+    <p:sldId id="311" r:id="rId32"/>
+    <p:sldId id="312" r:id="rId33"/>
+    <p:sldId id="285" r:id="rId34"/>
   </p:sldIdLst>
   <p:sldSz cx="12192000" cy="6858000"/>
   <p:notesSz cx="6858000" cy="9144000"/>
@@ -1490,9 +1491,10 @@
         <a:lstStyle/>
         <a:p>
           <a:r>
-            <a:rPr lang="en-US" dirty="0"/>
+            <a:rPr lang="en-US"/>
             <a:t>01</a:t>
           </a:r>
+          <a:endParaRPr lang="en-US" dirty="0"/>
         </a:p>
       </dgm:t>
     </dgm:pt>
@@ -1557,8 +1559,8 @@
         <a:lstStyle/>
         <a:p>
           <a:r>
-            <a:rPr lang="en-US"/>
-            <a:t>Work with real meteorological datasets and simulations</a:t>
+            <a:rPr lang="en-US" dirty="0"/>
+            <a:t>Work with real meteorological datasets from e.g. the Climate Data Store</a:t>
           </a:r>
         </a:p>
       </dgm:t>
@@ -1861,9 +1863,10 @@
             <a:buNone/>
           </a:pPr>
           <a:r>
-            <a:rPr lang="en-US" sz="6600" kern="1200" dirty="0"/>
+            <a:rPr lang="en-US" sz="6600" kern="1200"/>
             <a:t>01</a:t>
           </a:r>
+          <a:endParaRPr lang="en-US" sz="6600" kern="1200" dirty="0"/>
         </a:p>
       </dsp:txBody>
       <dsp:txXfrm>
@@ -2058,8 +2061,8 @@
             <a:buNone/>
           </a:pPr>
           <a:r>
-            <a:rPr lang="en-US" sz="2400" kern="1200"/>
-            <a:t>Work with real meteorological datasets and simulations</a:t>
+            <a:rPr lang="en-US" sz="2400" kern="1200" dirty="0"/>
+            <a:t>Work with real meteorological datasets from e.g. the Climate Data Store</a:t>
           </a:r>
         </a:p>
       </dsp:txBody>
@@ -5743,6 +5746,165 @@
 </p:sldLayout>
 </file>
 
+<file path=ppt/slideLayouts/slideLayout15.xml><?xml version="1.0" encoding="utf-8"?>
+<p:sldLayout xmlns:a="http://schemas.openxmlformats.org/drawingml/2006/main" xmlns:r="http://schemas.openxmlformats.org/officeDocument/2006/relationships" xmlns:p="http://schemas.openxmlformats.org/presentationml/2006/main" userDrawn="1">
+  <p:cSld name="1_Point Turquiose">
+    <p:bg>
+      <p:bgPr>
+        <a:blipFill dpi="0" rotWithShape="1">
+          <a:blip r:embed="rId2">
+            <a:lum/>
+          </a:blip>
+          <a:srcRect/>
+          <a:stretch>
+            <a:fillRect/>
+          </a:stretch>
+        </a:blipFill>
+        <a:effectLst/>
+      </p:bgPr>
+    </p:bg>
+    <p:spTree>
+      <p:nvGrpSpPr>
+        <p:cNvPr id="1" name=""/>
+        <p:cNvGrpSpPr/>
+        <p:nvPr/>
+      </p:nvGrpSpPr>
+      <p:grpSpPr>
+        <a:xfrm>
+          <a:off x="0" y="0"/>
+          <a:ext cx="0" cy="0"/>
+          <a:chOff x="0" y="0"/>
+          <a:chExt cx="0" cy="0"/>
+        </a:xfrm>
+      </p:grpSpPr>
+      <p:sp>
+        <p:nvSpPr>
+          <p:cNvPr id="2" name="Title 1">
+            <a:extLst>
+              <a:ext uri="{FF2B5EF4-FFF2-40B4-BE49-F238E27FC236}">
+                <a16:creationId xmlns:a16="http://schemas.microsoft.com/office/drawing/2014/main" id="{67FDF105-7039-1C6D-7FC1-89C7ACEFE5D4}"/>
+              </a:ext>
+            </a:extLst>
+          </p:cNvPr>
+          <p:cNvSpPr>
+            <a:spLocks noGrp="1"/>
+          </p:cNvSpPr>
+          <p:nvPr>
+            <p:ph type="title"/>
+          </p:nvPr>
+        </p:nvSpPr>
+        <p:spPr>
+          <a:xfrm>
+            <a:off x="838200" y="980788"/>
+            <a:ext cx="8348602" cy="1325563"/>
+          </a:xfrm>
+        </p:spPr>
+        <p:txBody>
+          <a:bodyPr/>
+          <a:lstStyle>
+            <a:lvl1pPr>
+              <a:defRPr>
+                <a:solidFill>
+                  <a:schemeClr val="bg1"/>
+                </a:solidFill>
+              </a:defRPr>
+            </a:lvl1pPr>
+          </a:lstStyle>
+          <a:p>
+            <a:r>
+              <a:rPr lang="en-GB" dirty="0"/>
+              <a:t>Click to edit Master title style</a:t>
+            </a:r>
+            <a:endParaRPr lang="en-US" dirty="0"/>
+          </a:p>
+        </p:txBody>
+      </p:sp>
+      <p:sp>
+        <p:nvSpPr>
+          <p:cNvPr id="3" name="Content Placeholder 2">
+            <a:extLst>
+              <a:ext uri="{FF2B5EF4-FFF2-40B4-BE49-F238E27FC236}">
+                <a16:creationId xmlns:a16="http://schemas.microsoft.com/office/drawing/2014/main" id="{084C9D1A-B681-480B-51E4-53A881918850}"/>
+              </a:ext>
+            </a:extLst>
+          </p:cNvPr>
+          <p:cNvSpPr>
+            <a:spLocks noGrp="1"/>
+          </p:cNvSpPr>
+          <p:nvPr>
+            <p:ph idx="1"/>
+          </p:nvPr>
+        </p:nvSpPr>
+        <p:spPr>
+          <a:xfrm>
+            <a:off x="838200" y="2306351"/>
+            <a:ext cx="8348602" cy="3668564"/>
+          </a:xfrm>
+        </p:spPr>
+        <p:txBody>
+          <a:bodyPr/>
+          <a:lstStyle>
+            <a:lvl1pPr marL="0" indent="0">
+              <a:buNone/>
+              <a:defRPr>
+                <a:solidFill>
+                  <a:schemeClr val="bg1"/>
+                </a:solidFill>
+                <a:latin typeface="Calibri" panose="020F0502020204030204" pitchFamily="34" charset="0"/>
+                <a:cs typeface="Calibri" panose="020F0502020204030204" pitchFamily="34" charset="0"/>
+              </a:defRPr>
+            </a:lvl1pPr>
+            <a:lvl2pPr>
+              <a:defRPr>
+                <a:solidFill>
+                  <a:schemeClr val="bg1"/>
+                </a:solidFill>
+              </a:defRPr>
+            </a:lvl2pPr>
+            <a:lvl3pPr>
+              <a:defRPr>
+                <a:solidFill>
+                  <a:schemeClr val="bg1"/>
+                </a:solidFill>
+              </a:defRPr>
+            </a:lvl3pPr>
+            <a:lvl4pPr>
+              <a:defRPr>
+                <a:solidFill>
+                  <a:schemeClr val="bg1"/>
+                </a:solidFill>
+              </a:defRPr>
+            </a:lvl4pPr>
+            <a:lvl5pPr>
+              <a:defRPr>
+                <a:solidFill>
+                  <a:schemeClr val="bg1"/>
+                </a:solidFill>
+              </a:defRPr>
+            </a:lvl5pPr>
+          </a:lstStyle>
+          <a:p>
+            <a:pPr lvl="0"/>
+            <a:r>
+              <a:rPr lang="en-GB" dirty="0"/>
+              <a:t>Click to edit Master text styles</a:t>
+            </a:r>
+          </a:p>
+        </p:txBody>
+      </p:sp>
+    </p:spTree>
+    <p:extLst>
+      <p:ext uri="{BB962C8B-B14F-4D97-AF65-F5344CB8AC3E}">
+        <p14:creationId xmlns:p14="http://schemas.microsoft.com/office/powerpoint/2010/main" val="724794902"/>
+      </p:ext>
+    </p:extLst>
+  </p:cSld>
+  <p:clrMapOvr>
+    <a:masterClrMapping/>
+  </p:clrMapOvr>
+</p:sldLayout>
+</file>
+
 <file path=ppt/slideLayouts/slideLayout2.xml><?xml version="1.0" encoding="utf-8"?>
 <p:sldLayout xmlns:a="http://schemas.openxmlformats.org/drawingml/2006/main" xmlns:r="http://schemas.openxmlformats.org/officeDocument/2006/relationships" xmlns:p="http://schemas.openxmlformats.org/presentationml/2006/main" type="title" preserve="1">
   <p:cSld name="Title Slide">
@@ -7996,7 +8158,7 @@
     <p:bg>
       <p:bgPr>
         <a:blipFill dpi="0" rotWithShape="1">
-          <a:blip r:embed="rId16">
+          <a:blip r:embed="rId17">
             <a:lum/>
           </a:blip>
           <a:srcRect/>
@@ -8291,6 +8453,7 @@
     <p:sldLayoutId id="2147483666" r:id="rId12"/>
     <p:sldLayoutId id="2147483656" r:id="rId13"/>
     <p:sldLayoutId id="2147483657" r:id="rId14"/>
+    <p:sldLayoutId id="2147483667" r:id="rId15"/>
   </p:sldLayoutIdLst>
   <p:hf sldNum="0" hdr="0" ftr="0"/>
   <p:txStyles>
@@ -9240,8 +9403,8 @@
           </a:p>
         </p:txBody>
       </p:sp>
-      <mc:AlternateContent xmlns:mc="http://schemas.openxmlformats.org/markup-compatibility/2006" xmlns:a14="http://schemas.microsoft.com/office/drawing/2010/main">
-        <mc:Choice Requires="a14">
+      <mc:AlternateContent xmlns:mc="http://schemas.openxmlformats.org/markup-compatibility/2006">
+        <mc:Choice xmlns:a14="http://schemas.microsoft.com/office/drawing/2010/main" Requires="a14">
           <p:sp>
             <p:nvSpPr>
               <p:cNvPr id="3" name="Content Placeholder 2">
@@ -9294,6 +9457,9 @@
                       </m:r>
                       <m:r>
                         <a:rPr lang="en-IE" b="0" i="1" smtClean="0">
+                          <a:solidFill>
+                            <a:srgbClr val="00959F"/>
+                          </a:solidFill>
                           <a:latin typeface="Cambria Math" panose="02040503050406030204" pitchFamily="18" charset="0"/>
                         </a:rPr>
                         <m:t>𝑏</m:t>
@@ -9306,6 +9472,9 @@
                       </m:r>
                       <m:r>
                         <a:rPr lang="en-IE" b="0" i="1" smtClean="0">
+                          <a:solidFill>
+                            <a:srgbClr val="00959F"/>
+                          </a:solidFill>
                           <a:latin typeface="Cambria Math" panose="02040503050406030204" pitchFamily="18" charset="0"/>
                         </a:rPr>
                         <m:t>𝑤</m:t>
@@ -9342,7 +9511,7 @@
               <a:p>
                 <a:r>
                   <a:rPr lang="en-US" dirty="0"/>
-                  <a:t>Where </a:t>
+                  <a:t>…where </a:t>
                 </a:r>
                 <a14:m>
                   <m:oMath xmlns:m="http://schemas.openxmlformats.org/officeDocument/2006/math">
@@ -9370,7 +9539,7 @@
                 </a14:m>
                 <a:r>
                   <a:rPr lang="en-US" dirty="0"/>
-                  <a:t> are our outputs</a:t>
+                  <a:t> are our outputs.</a:t>
                 </a:r>
               </a:p>
               <a:p>
@@ -9378,6 +9547,9 @@
                   <m:oMath xmlns:m="http://schemas.openxmlformats.org/officeDocument/2006/math">
                     <m:r>
                       <a:rPr lang="en-US" i="1" dirty="0" smtClean="0">
+                        <a:solidFill>
+                          <a:srgbClr val="00959F"/>
+                        </a:solidFill>
                         <a:latin typeface="Cambria Math" panose="02040503050406030204" pitchFamily="18" charset="0"/>
                       </a:rPr>
                       <m:t>𝑤</m:t>
@@ -9386,7 +9558,7 @@
                 </a14:m>
                 <a:r>
                   <a:rPr lang="en-US" dirty="0"/>
-                  <a:t> is a weight (or a regression coefficient)</a:t>
+                  <a:t> is a weight (or a regression coefficient), </a:t>
                 </a:r>
               </a:p>
               <a:p>
@@ -9394,6 +9566,9 @@
                   <m:oMath xmlns:m="http://schemas.openxmlformats.org/officeDocument/2006/math">
                     <m:r>
                       <a:rPr lang="en-US" i="1" dirty="0" smtClean="0">
+                        <a:solidFill>
+                          <a:srgbClr val="00959F"/>
+                        </a:solidFill>
                         <a:latin typeface="Cambria Math" panose="02040503050406030204" pitchFamily="18" charset="0"/>
                       </a:rPr>
                       <m:t>𝑏</m:t>
@@ -9402,7 +9577,7 @@
                 </a14:m>
                 <a:r>
                   <a:rPr lang="en-US" dirty="0"/>
-                  <a:t> is a bias (or intercept)</a:t>
+                  <a:t> is a bias (or intercept),</a:t>
                 </a:r>
               </a:p>
               <a:p>
@@ -9418,7 +9593,7 @@
                 </a14:m>
                 <a:r>
                   <a:rPr lang="en-US" dirty="0"/>
-                  <a:t> is a residual (or error) leftover term</a:t>
+                  <a:t> is a residual (or error) leftover term.</a:t>
                 </a:r>
               </a:p>
               <a:p>
@@ -9507,7 +9682,10 @@
                     </m:nary>
                   </m:oMath>
                 </a14:m>
-                <a:endParaRPr lang="en-US" dirty="0"/>
+                <a:r>
+                  <a:rPr lang="en-US" dirty="0"/>
+                  <a:t>.</a:t>
+                </a:r>
               </a:p>
               <a:p>
                 <a:r>
@@ -9587,7 +9765,7 @@
             </p:txBody>
           </p:sp>
         </mc:Choice>
-        <mc:Fallback xmlns="">
+        <mc:Fallback>
           <p:sp>
             <p:nvSpPr>
               <p:cNvPr id="3" name="Content Placeholder 2">
@@ -9608,7 +9786,7 @@
               <a:blipFill>
                 <a:blip r:embed="rId2"/>
                 <a:stretch>
-                  <a:fillRect l="-3951" t="-3354" b="-20732"/>
+                  <a:fillRect l="-1315" t="-3231"/>
                 </a:stretch>
               </a:blipFill>
             </p:spPr>
@@ -9617,7 +9795,7 @@
               <a:lstStyle/>
               <a:p>
                 <a:r>
-                  <a:rPr lang="en-US">
+                  <a:rPr lang="en-IE">
                     <a:noFill/>
                   </a:rPr>
                   <a:t> </a:t>
@@ -10036,8 +10214,8 @@
           </a:p>
         </p:txBody>
       </p:sp>
-      <mc:AlternateContent xmlns:mc="http://schemas.openxmlformats.org/markup-compatibility/2006" xmlns:a14="http://schemas.microsoft.com/office/drawing/2010/main">
-        <mc:Choice Requires="a14">
+      <mc:AlternateContent xmlns:mc="http://schemas.openxmlformats.org/markup-compatibility/2006">
+        <mc:Choice xmlns:a14="http://schemas.microsoft.com/office/drawing/2010/main" Requires="a14">
           <p:sp>
             <p:nvSpPr>
               <p:cNvPr id="5" name="Content Placeholder 4">
@@ -10071,7 +10249,7 @@
                 </a14:m>
                 <a:r>
                   <a:rPr lang="en-US" dirty="0"/>
-                  <a:t> (weight) controls the slope of the line</a:t>
+                  <a:t> (weight) controls the slope of the line.</a:t>
                 </a:r>
               </a:p>
               <a:p>
@@ -10087,7 +10265,7 @@
                 </a14:m>
                 <a:r>
                   <a:rPr lang="en-US" dirty="0"/>
-                  <a:t> (bias) shifts the line up or down</a:t>
+                  <a:t> (bias) shifts the line up or down.</a:t>
                 </a:r>
               </a:p>
               <a:p>
@@ -10101,25 +10279,25 @@
                 </a:r>
                 <a:r>
                   <a:rPr lang="en-US" dirty="0"/>
-                  <a:t> target values</a:t>
+                  <a:t> target values (like temperature).</a:t>
                 </a:r>
               </a:p>
               <a:p>
                 <a:r>
                   <a:rPr lang="en-US" dirty="0"/>
-                  <a:t>Assumes linearity between input and output</a:t>
+                  <a:t>Assumes linearity between input and output.</a:t>
                 </a:r>
               </a:p>
               <a:p>
                 <a:r>
                   <a:rPr lang="en-US" dirty="0"/>
-                  <a:t>Can fit this model exactly using calculus</a:t>
+                  <a:t>Can fit this model exactly using calculus.</a:t>
                 </a:r>
               </a:p>
             </p:txBody>
           </p:sp>
         </mc:Choice>
-        <mc:Fallback xmlns="">
+        <mc:Fallback>
           <p:sp>
             <p:nvSpPr>
               <p:cNvPr id="5" name="Content Placeholder 4">
@@ -10140,7 +10318,7 @@
               <a:blipFill>
                 <a:blip r:embed="rId2"/>
                 <a:stretch>
-                  <a:fillRect l="-1368" t="-2439"/>
+                  <a:fillRect l="-1315" t="-2349"/>
                 </a:stretch>
               </a:blipFill>
             </p:spPr>
@@ -10149,7 +10327,7 @@
               <a:lstStyle/>
               <a:p>
                 <a:r>
-                  <a:rPr lang="en-US">
+                  <a:rPr lang="en-IE">
                     <a:noFill/>
                   </a:rPr>
                   <a:t> </a:t>
@@ -10252,8 +10430,8 @@
           </a:p>
         </p:txBody>
       </p:sp>
-      <mc:AlternateContent xmlns:mc="http://schemas.openxmlformats.org/markup-compatibility/2006" xmlns:a14="http://schemas.microsoft.com/office/drawing/2010/main">
-        <mc:Choice Requires="a14">
+      <mc:AlternateContent xmlns:mc="http://schemas.openxmlformats.org/markup-compatibility/2006">
+        <mc:Choice xmlns:a14="http://schemas.microsoft.com/office/drawing/2010/main" Requires="a14">
           <p:sp>
             <p:nvSpPr>
               <p:cNvPr id="5" name="Content Placeholder 4">
@@ -10279,7 +10457,7 @@
               <a:p>
                 <a:r>
                   <a:rPr lang="en-US" dirty="0"/>
-                  <a:t>The ‘best’ values of b and w will be found when we minimize the sum of squares</a:t>
+                  <a:t>The ‘best’ values of b and w will be found when we minimize the sum of squares.</a:t>
                 </a:r>
               </a:p>
               <a:p>
@@ -10674,13 +10852,13 @@
                 </a14:m>
                 <a:r>
                   <a:rPr lang="en-US" dirty="0"/>
-                  <a:t> (temperature)</a:t>
+                  <a:t> (temperature).</a:t>
                 </a:r>
               </a:p>
               <a:p>
                 <a:r>
                   <a:rPr lang="en-US" dirty="0"/>
-                  <a:t>Your mission: find the values of </a:t>
+                  <a:t>Find the values of </a:t>
                 </a:r>
                 <a14:m>
                   <m:oMath xmlns:m="http://schemas.openxmlformats.org/officeDocument/2006/math">
@@ -10708,13 +10886,13 @@
                 </a14:m>
                 <a:r>
                   <a:rPr lang="en-US" dirty="0"/>
-                  <a:t> that minimize the values of RMSE</a:t>
+                  <a:t> that minimize the values of RMSE.</a:t>
                 </a:r>
               </a:p>
             </p:txBody>
           </p:sp>
         </mc:Choice>
-        <mc:Fallback xmlns="">
+        <mc:Fallback>
           <p:sp>
             <p:nvSpPr>
               <p:cNvPr id="5" name="Content Placeholder 4">
@@ -10735,7 +10913,7 @@
               <a:blipFill>
                 <a:blip r:embed="rId2"/>
                 <a:stretch>
-                  <a:fillRect l="-1064" t="-2744" r="-1064"/>
+                  <a:fillRect l="-1023" t="-2790" r="-1023"/>
                 </a:stretch>
               </a:blipFill>
             </p:spPr>
@@ -10744,7 +10922,7 @@
               <a:lstStyle/>
               <a:p>
                 <a:r>
-                  <a:rPr lang="en-US">
+                  <a:rPr lang="en-IE">
                     <a:noFill/>
                   </a:rPr>
                   <a:t> </a:t>
@@ -11738,7 +11916,7 @@
               <a:buNone/>
             </a:pPr>
             <a:r>
-              <a:rPr lang="en-US" b="1" dirty="0">
+              <a:rPr lang="en-US" dirty="0">
                 <a:latin typeface="Courier New" panose="02070309020205020404" pitchFamily="49" charset="0"/>
                 <a:cs typeface="Courier New" panose="02070309020205020404" pitchFamily="49" charset="0"/>
               </a:rPr>
@@ -11750,7 +11928,7 @@
               <a:buNone/>
             </a:pPr>
             <a:r>
-              <a:rPr lang="en-US" b="1" dirty="0">
+              <a:rPr lang="en-US" dirty="0">
                 <a:latin typeface="Courier New" panose="02070309020205020404" pitchFamily="49" charset="0"/>
                 <a:cs typeface="Courier New" panose="02070309020205020404" pitchFamily="49" charset="0"/>
               </a:rPr>
@@ -11762,7 +11940,7 @@
               <a:buNone/>
             </a:pPr>
             <a:r>
-              <a:rPr lang="en-US" b="1" dirty="0">
+              <a:rPr lang="en-US" dirty="0">
                 <a:latin typeface="Courier New" panose="02070309020205020404" pitchFamily="49" charset="0"/>
                 <a:cs typeface="Courier New" panose="02070309020205020404" pitchFamily="49" charset="0"/>
               </a:rPr>
@@ -11774,7 +11952,7 @@
               <a:buNone/>
             </a:pPr>
             <a:r>
-              <a:rPr lang="en-US" b="1" dirty="0">
+              <a:rPr lang="en-US" dirty="0">
                 <a:latin typeface="Courier New" panose="02070309020205020404" pitchFamily="49" charset="0"/>
                 <a:cs typeface="Courier New" panose="02070309020205020404" pitchFamily="49" charset="0"/>
               </a:rPr>
@@ -11785,7 +11963,7 @@
             <a:pPr marL="0" indent="0">
               <a:buNone/>
             </a:pPr>
-            <a:endParaRPr lang="en-US" b="1" dirty="0">
+            <a:endParaRPr lang="en-US" dirty="0">
               <a:latin typeface="Courier New" panose="02070309020205020404" pitchFamily="49" charset="0"/>
               <a:cs typeface="Courier New" panose="02070309020205020404" pitchFamily="49" charset="0"/>
             </a:endParaRPr>
@@ -11795,7 +11973,7 @@
               <a:buNone/>
             </a:pPr>
             <a:r>
-              <a:rPr lang="en-US" b="1" dirty="0">
+              <a:rPr lang="en-US" dirty="0">
                 <a:latin typeface="Courier New" panose="02070309020205020404" pitchFamily="49" charset="0"/>
                 <a:cs typeface="Courier New" panose="02070309020205020404" pitchFamily="49" charset="0"/>
               </a:rPr>
@@ -11807,49 +11985,49 @@
               <a:buNone/>
             </a:pPr>
             <a:r>
-              <a:rPr lang="en-US" b="1" dirty="0">
+              <a:rPr lang="en-US" dirty="0">
                 <a:latin typeface="Courier New" panose="02070309020205020404" pitchFamily="49" charset="0"/>
                 <a:cs typeface="Courier New" panose="02070309020205020404" pitchFamily="49" charset="0"/>
               </a:rPr>
               <a:t>    </a:t>
             </a:r>
             <a:r>
-              <a:rPr lang="en-US" b="1" dirty="0" err="1">
+              <a:rPr lang="en-US" dirty="0" err="1">
                 <a:latin typeface="Courier New" panose="02070309020205020404" pitchFamily="49" charset="0"/>
                 <a:cs typeface="Courier New" panose="02070309020205020404" pitchFamily="49" charset="0"/>
               </a:rPr>
               <a:t>dw</a:t>
             </a:r>
             <a:r>
-              <a:rPr lang="en-US" b="1" dirty="0">
+              <a:rPr lang="en-US" dirty="0">
                 <a:latin typeface="Courier New" panose="02070309020205020404" pitchFamily="49" charset="0"/>
                 <a:cs typeface="Courier New" panose="02070309020205020404" pitchFamily="49" charset="0"/>
               </a:rPr>
               <a:t>, </a:t>
             </a:r>
             <a:r>
-              <a:rPr lang="en-US" b="1" dirty="0" err="1">
+              <a:rPr lang="en-US" dirty="0" err="1">
                 <a:latin typeface="Courier New" panose="02070309020205020404" pitchFamily="49" charset="0"/>
                 <a:cs typeface="Courier New" panose="02070309020205020404" pitchFamily="49" charset="0"/>
               </a:rPr>
               <a:t>db</a:t>
             </a:r>
             <a:r>
-              <a:rPr lang="en-US" b="1" dirty="0">
+              <a:rPr lang="en-US" dirty="0">
                 <a:latin typeface="Courier New" panose="02070309020205020404" pitchFamily="49" charset="0"/>
                 <a:cs typeface="Courier New" panose="02070309020205020404" pitchFamily="49" charset="0"/>
               </a:rPr>
               <a:t> = </a:t>
             </a:r>
             <a:r>
-              <a:rPr lang="en-US" b="1" dirty="0" err="1">
+              <a:rPr lang="en-US" dirty="0" err="1">
                 <a:latin typeface="Courier New" panose="02070309020205020404" pitchFamily="49" charset="0"/>
                 <a:cs typeface="Courier New" panose="02070309020205020404" pitchFamily="49" charset="0"/>
               </a:rPr>
               <a:t>compute_gradients</a:t>
             </a:r>
             <a:r>
-              <a:rPr lang="en-US" b="1" dirty="0">
+              <a:rPr lang="en-US" dirty="0">
                 <a:latin typeface="Courier New" panose="02070309020205020404" pitchFamily="49" charset="0"/>
                 <a:cs typeface="Courier New" panose="02070309020205020404" pitchFamily="49" charset="0"/>
               </a:rPr>
@@ -11861,34 +12039,34 @@
               <a:buNone/>
             </a:pPr>
             <a:r>
-              <a:rPr lang="en-US" b="1" dirty="0">
+              <a:rPr lang="en-US" dirty="0">
                 <a:latin typeface="Courier New" panose="02070309020205020404" pitchFamily="49" charset="0"/>
                 <a:cs typeface="Courier New" panose="02070309020205020404" pitchFamily="49" charset="0"/>
               </a:rPr>
               <a:t>    w -= </a:t>
             </a:r>
             <a:r>
-              <a:rPr lang="en-US" b="1" dirty="0" err="1">
+              <a:rPr lang="en-US" dirty="0" err="1">
                 <a:latin typeface="Courier New" panose="02070309020205020404" pitchFamily="49" charset="0"/>
                 <a:cs typeface="Courier New" panose="02070309020205020404" pitchFamily="49" charset="0"/>
               </a:rPr>
               <a:t>lr</a:t>
             </a:r>
             <a:r>
-              <a:rPr lang="en-US" b="1" dirty="0">
+              <a:rPr lang="en-US" dirty="0">
                 <a:latin typeface="Courier New" panose="02070309020205020404" pitchFamily="49" charset="0"/>
                 <a:cs typeface="Courier New" panose="02070309020205020404" pitchFamily="49" charset="0"/>
               </a:rPr>
               <a:t> * </a:t>
             </a:r>
             <a:r>
-              <a:rPr lang="en-US" b="1" dirty="0" err="1">
+              <a:rPr lang="en-US" dirty="0" err="1">
                 <a:latin typeface="Courier New" panose="02070309020205020404" pitchFamily="49" charset="0"/>
                 <a:cs typeface="Courier New" panose="02070309020205020404" pitchFamily="49" charset="0"/>
               </a:rPr>
               <a:t>dw</a:t>
             </a:r>
-            <a:endParaRPr lang="en-US" b="1" dirty="0">
+            <a:endParaRPr lang="en-US" dirty="0">
               <a:latin typeface="Courier New" panose="02070309020205020404" pitchFamily="49" charset="0"/>
               <a:cs typeface="Courier New" panose="02070309020205020404" pitchFamily="49" charset="0"/>
             </a:endParaRPr>
@@ -11898,34 +12076,34 @@
               <a:buNone/>
             </a:pPr>
             <a:r>
-              <a:rPr lang="en-US" b="1" dirty="0">
+              <a:rPr lang="en-US" dirty="0">
                 <a:latin typeface="Courier New" panose="02070309020205020404" pitchFamily="49" charset="0"/>
                 <a:cs typeface="Courier New" panose="02070309020205020404" pitchFamily="49" charset="0"/>
               </a:rPr>
               <a:t>    b -= </a:t>
             </a:r>
             <a:r>
-              <a:rPr lang="en-US" b="1" dirty="0" err="1">
+              <a:rPr lang="en-US" dirty="0" err="1">
                 <a:latin typeface="Courier New" panose="02070309020205020404" pitchFamily="49" charset="0"/>
                 <a:cs typeface="Courier New" panose="02070309020205020404" pitchFamily="49" charset="0"/>
               </a:rPr>
               <a:t>lr</a:t>
             </a:r>
             <a:r>
-              <a:rPr lang="en-US" b="1" dirty="0">
+              <a:rPr lang="en-US" dirty="0">
                 <a:latin typeface="Courier New" panose="02070309020205020404" pitchFamily="49" charset="0"/>
                 <a:cs typeface="Courier New" panose="02070309020205020404" pitchFamily="49" charset="0"/>
               </a:rPr>
               <a:t> * </a:t>
             </a:r>
             <a:r>
-              <a:rPr lang="en-US" b="1" dirty="0" err="1">
+              <a:rPr lang="en-US" dirty="0" err="1">
                 <a:latin typeface="Courier New" panose="02070309020205020404" pitchFamily="49" charset="0"/>
                 <a:cs typeface="Courier New" panose="02070309020205020404" pitchFamily="49" charset="0"/>
               </a:rPr>
               <a:t>db</a:t>
             </a:r>
-            <a:endParaRPr lang="en-US" b="1" dirty="0">
+            <a:endParaRPr lang="en-US" dirty="0">
               <a:latin typeface="Courier New" panose="02070309020205020404" pitchFamily="49" charset="0"/>
               <a:cs typeface="Courier New" panose="02070309020205020404" pitchFamily="49" charset="0"/>
             </a:endParaRPr>
@@ -11935,21 +12113,21 @@
               <a:buNone/>
             </a:pPr>
             <a:r>
-              <a:rPr lang="en-US" b="1" dirty="0">
+              <a:rPr lang="en-US" dirty="0">
                 <a:latin typeface="Courier New" panose="02070309020205020404" pitchFamily="49" charset="0"/>
                 <a:cs typeface="Courier New" panose="02070309020205020404" pitchFamily="49" charset="0"/>
               </a:rPr>
               <a:t>    loss = </a:t>
             </a:r>
             <a:r>
-              <a:rPr lang="en-US" b="1" dirty="0" err="1">
+              <a:rPr lang="en-US" dirty="0" err="1">
                 <a:latin typeface="Courier New" panose="02070309020205020404" pitchFamily="49" charset="0"/>
                 <a:cs typeface="Courier New" panose="02070309020205020404" pitchFamily="49" charset="0"/>
               </a:rPr>
               <a:t>rmse</a:t>
             </a:r>
             <a:r>
-              <a:rPr lang="en-US" b="1" dirty="0">
+              <a:rPr lang="en-US" dirty="0">
                 <a:latin typeface="Courier New" panose="02070309020205020404" pitchFamily="49" charset="0"/>
                 <a:cs typeface="Courier New" panose="02070309020205020404" pitchFamily="49" charset="0"/>
               </a:rPr>
@@ -11961,7 +12139,7 @@
               <a:buNone/>
             </a:pPr>
             <a:r>
-              <a:rPr lang="en-US" b="1" dirty="0">
+              <a:rPr lang="en-US" dirty="0">
                 <a:latin typeface="Courier New" panose="02070309020205020404" pitchFamily="49" charset="0"/>
                 <a:cs typeface="Courier New" panose="02070309020205020404" pitchFamily="49" charset="0"/>
               </a:rPr>
@@ -11973,21 +12151,21 @@
               <a:buNone/>
             </a:pPr>
             <a:r>
-              <a:rPr lang="en-US" b="1" dirty="0">
+              <a:rPr lang="en-US" dirty="0">
                 <a:latin typeface="Courier New" panose="02070309020205020404" pitchFamily="49" charset="0"/>
                 <a:cs typeface="Courier New" panose="02070309020205020404" pitchFamily="49" charset="0"/>
               </a:rPr>
               <a:t>        print(</a:t>
             </a:r>
             <a:r>
-              <a:rPr lang="en-US" b="1" dirty="0" err="1">
+              <a:rPr lang="en-US" dirty="0" err="1">
                 <a:latin typeface="Courier New" panose="02070309020205020404" pitchFamily="49" charset="0"/>
                 <a:cs typeface="Courier New" panose="02070309020205020404" pitchFamily="49" charset="0"/>
               </a:rPr>
               <a:t>f'Epoch</a:t>
             </a:r>
             <a:r>
-              <a:rPr lang="en-US" b="1" dirty="0">
+              <a:rPr lang="en-US" dirty="0">
                 <a:latin typeface="Courier New" panose="02070309020205020404" pitchFamily="49" charset="0"/>
                 <a:cs typeface="Courier New" panose="02070309020205020404" pitchFamily="49" charset="0"/>
               </a:rPr>
@@ -11999,21 +12177,21 @@
               <a:buNone/>
             </a:pPr>
             <a:r>
-              <a:rPr lang="en-US" b="1" dirty="0">
+              <a:rPr lang="en-US" dirty="0">
                 <a:latin typeface="Courier New" panose="02070309020205020404" pitchFamily="49" charset="0"/>
                 <a:cs typeface="Courier New" panose="02070309020205020404" pitchFamily="49" charset="0"/>
               </a:rPr>
               <a:t>    </a:t>
             </a:r>
             <a:r>
-              <a:rPr lang="en-US" b="1" dirty="0" err="1">
+              <a:rPr lang="en-US" dirty="0" err="1">
                 <a:latin typeface="Courier New" panose="02070309020205020404" pitchFamily="49" charset="0"/>
                 <a:cs typeface="Courier New" panose="02070309020205020404" pitchFamily="49" charset="0"/>
               </a:rPr>
               <a:t>losses.append</a:t>
             </a:r>
             <a:r>
-              <a:rPr lang="en-US" b="1" dirty="0">
+              <a:rPr lang="en-US" dirty="0">
                 <a:latin typeface="Courier New" panose="02070309020205020404" pitchFamily="49" charset="0"/>
                 <a:cs typeface="Courier New" panose="02070309020205020404" pitchFamily="49" charset="0"/>
               </a:rPr>
@@ -12214,13 +12392,13 @@
           <a:p>
             <a:r>
               <a:rPr lang="en-US" dirty="0"/>
-              <a:t>This is a hands-on course, mixing manual calculation and coding</a:t>
+              <a:t>This is a hands-on course, mixing manual calculation and coding.</a:t>
             </a:r>
           </a:p>
           <a:p>
             <a:r>
               <a:rPr lang="en-US" dirty="0"/>
-              <a:t>Weather and climate is a motivating application, but the ideas can be applied more widely</a:t>
+              <a:t>Weather and climate is a motivating application, but the ideas can be applied more widely.</a:t>
             </a:r>
           </a:p>
           <a:p>
@@ -12709,8 +12887,8 @@
           </a:p>
         </p:txBody>
       </p:sp>
-      <mc:AlternateContent xmlns:mc="http://schemas.openxmlformats.org/markup-compatibility/2006" xmlns:a14="http://schemas.microsoft.com/office/drawing/2010/main">
-        <mc:Choice Requires="a14">
+      <mc:AlternateContent xmlns:mc="http://schemas.openxmlformats.org/markup-compatibility/2006">
+        <mc:Choice xmlns:a14="http://schemas.microsoft.com/office/drawing/2010/main" Requires="a14">
           <p:sp>
             <p:nvSpPr>
               <p:cNvPr id="3" name="Content Placeholder 2">
@@ -12755,7 +12933,7 @@
                       <a:srgbClr val="030A18"/>
                     </a:solidFill>
                   </a:rPr>
-                  <a:t> controls the step size in gradient descent</a:t>
+                  <a:t> controls the step size in gradient descent.</a:t>
                 </a:r>
                 <a:endParaRPr lang="en-US" sz="2800" dirty="0"/>
               </a:p>
@@ -12770,7 +12948,7 @@
                       <a:srgbClr val="030A18"/>
                     </a:solidFill>
                   </a:rPr>
-                  <a:t>Too small: slow convergence; too large: divergence</a:t>
+                  <a:t>Too small: slow convergence; too large: divergence.</a:t>
                 </a:r>
                 <a:endParaRPr lang="en-US" sz="2800" dirty="0"/>
               </a:p>
@@ -12785,7 +12963,7 @@
                       <a:srgbClr val="030A18"/>
                     </a:solidFill>
                   </a:rPr>
-                  <a:t>Often chosen empirically or via learning rate schedules</a:t>
+                  <a:t>Often chosen empirically or via learning rate schedules.</a:t>
                 </a:r>
                 <a:endParaRPr lang="en-US" sz="2800" dirty="0"/>
               </a:p>
@@ -12816,7 +12994,7 @@
                       <a:srgbClr val="030A18"/>
                     </a:solidFill>
                   </a:rPr>
-                  <a:t>) adjust the rate automatically</a:t>
+                  <a:t>) adjust the rate automatically.</a:t>
                 </a:r>
                 <a:endParaRPr lang="en-US" sz="2800" dirty="0"/>
               </a:p>
@@ -12826,7 +13004,7 @@
             </p:txBody>
           </p:sp>
         </mc:Choice>
-        <mc:Fallback xmlns="">
+        <mc:Fallback>
           <p:sp>
             <p:nvSpPr>
               <p:cNvPr id="3" name="Content Placeholder 2">
@@ -12847,7 +13025,7 @@
               <a:blipFill>
                 <a:blip r:embed="rId2"/>
                 <a:stretch>
-                  <a:fillRect l="-2200" t="-2326" r="-2934"/>
+                  <a:fillRect l="-2118" t="-2241" r="-2941"/>
                 </a:stretch>
               </a:blipFill>
             </p:spPr>
@@ -12856,7 +13034,7 @@
               <a:lstStyle/>
               <a:p>
                 <a:r>
-                  <a:rPr lang="en-US">
+                  <a:rPr lang="en-IE">
                     <a:noFill/>
                   </a:rPr>
                   <a:t> </a:t>
@@ -13185,25 +13363,25 @@
           <a:p>
             <a:r>
               <a:rPr lang="en-US" dirty="0"/>
-              <a:t>Batch GD: uses entire dataset each iteration; smooth but computationally heavy</a:t>
+              <a:t>Batch GD: uses entire dataset each iteration; smooth but computationally heavy.</a:t>
             </a:r>
           </a:p>
           <a:p>
             <a:r>
               <a:rPr lang="en-US" dirty="0"/>
-              <a:t>Stochastic GD: updates using fewer (or just one) samples; faster but noisy</a:t>
+              <a:t>Stochastic GD: updates using fewer (or just one) samples; faster but noisy.</a:t>
             </a:r>
           </a:p>
           <a:p>
             <a:r>
               <a:rPr lang="en-US" dirty="0"/>
-              <a:t>Mini‑batch GD: compromise between the two</a:t>
+              <a:t>Mini‑batch GD: compromise between the two.</a:t>
             </a:r>
           </a:p>
           <a:p>
             <a:r>
               <a:rPr lang="en-US" dirty="0"/>
-              <a:t>Noise in SGD can help escape shallow minima</a:t>
+              <a:t>Noise in SGD can help escape shallow minima.</a:t>
             </a:r>
           </a:p>
           <a:p>
@@ -13278,6 +13456,127 @@
           <p:cNvPr id="2" name="Title 1">
             <a:extLst>
               <a:ext uri="{FF2B5EF4-FFF2-40B4-BE49-F238E27FC236}">
+                <a16:creationId xmlns:a16="http://schemas.microsoft.com/office/drawing/2014/main" id="{CB3BD276-83B2-8395-7288-99E0EB29B3EF}"/>
+              </a:ext>
+            </a:extLst>
+          </p:cNvPr>
+          <p:cNvSpPr>
+            <a:spLocks noGrp="1"/>
+          </p:cNvSpPr>
+          <p:nvPr>
+            <p:ph type="title"/>
+          </p:nvPr>
+        </p:nvSpPr>
+        <p:spPr/>
+        <p:txBody>
+          <a:bodyPr/>
+          <a:lstStyle/>
+          <a:p>
+            <a:r>
+              <a:rPr lang="en-IE" dirty="0"/>
+              <a:t>Training and testing</a:t>
+            </a:r>
+          </a:p>
+        </p:txBody>
+      </p:sp>
+      <p:sp>
+        <p:nvSpPr>
+          <p:cNvPr id="3" name="Content Placeholder 2">
+            <a:extLst>
+              <a:ext uri="{FF2B5EF4-FFF2-40B4-BE49-F238E27FC236}">
+                <a16:creationId xmlns:a16="http://schemas.microsoft.com/office/drawing/2014/main" id="{D0B6C58C-C334-D846-6B98-DB2735C9C8A3}"/>
+              </a:ext>
+            </a:extLst>
+          </p:cNvPr>
+          <p:cNvSpPr>
+            <a:spLocks noGrp="1"/>
+          </p:cNvSpPr>
+          <p:nvPr>
+            <p:ph idx="1"/>
+          </p:nvPr>
+        </p:nvSpPr>
+        <p:spPr/>
+        <p:txBody>
+          <a:bodyPr>
+            <a:normAutofit lnSpcReduction="10000"/>
+          </a:bodyPr>
+          <a:lstStyle/>
+          <a:p>
+            <a:r>
+              <a:rPr lang="en-IE" dirty="0"/>
+              <a:t>Common to divide up the data set into:</a:t>
+            </a:r>
+          </a:p>
+          <a:p>
+            <a:pPr lvl="1"/>
+            <a:r>
+              <a:rPr lang="en-IE" dirty="0"/>
+              <a:t>Training set: used to learn the parameters of the model.</a:t>
+            </a:r>
+          </a:p>
+          <a:p>
+            <a:pPr lvl="1"/>
+            <a:r>
+              <a:rPr lang="en-IE" dirty="0"/>
+              <a:t>Test set: used to evaluate model performance on data the model hasn’t seen. </a:t>
+            </a:r>
+          </a:p>
+          <a:p>
+            <a:pPr lvl="1"/>
+            <a:r>
+              <a:rPr lang="en-IE" dirty="0"/>
+              <a:t>(Validation set: used to compare different models.)</a:t>
+            </a:r>
+          </a:p>
+          <a:p>
+            <a:r>
+              <a:rPr lang="en-IE" dirty="0"/>
+              <a:t>The majority of the data (e.g. 75%) is used for the training set with the remainder used for validation or testing.</a:t>
+            </a:r>
+          </a:p>
+          <a:p>
+            <a:r>
+              <a:rPr lang="en-IE" dirty="0"/>
+              <a:t>Before deployment, you might want to re-fit your model on all of the data.</a:t>
+            </a:r>
+          </a:p>
+        </p:txBody>
+      </p:sp>
+    </p:spTree>
+    <p:extLst>
+      <p:ext uri="{BB962C8B-B14F-4D97-AF65-F5344CB8AC3E}">
+        <p14:creationId xmlns:p14="http://schemas.microsoft.com/office/powerpoint/2010/main" val="3290949239"/>
+      </p:ext>
+    </p:extLst>
+  </p:cSld>
+  <p:clrMapOvr>
+    <a:masterClrMapping/>
+  </p:clrMapOvr>
+</p:sld>
+</file>
+
+<file path=ppt/slides/slide26.xml><?xml version="1.0" encoding="utf-8"?>
+<p:sld xmlns:a="http://schemas.openxmlformats.org/drawingml/2006/main" xmlns:r="http://schemas.openxmlformats.org/officeDocument/2006/relationships" xmlns:p="http://schemas.openxmlformats.org/presentationml/2006/main">
+  <p:cSld>
+    <p:spTree>
+      <p:nvGrpSpPr>
+        <p:cNvPr id="1" name=""/>
+        <p:cNvGrpSpPr/>
+        <p:nvPr/>
+      </p:nvGrpSpPr>
+      <p:grpSpPr>
+        <a:xfrm>
+          <a:off x="0" y="0"/>
+          <a:ext cx="0" cy="0"/>
+          <a:chOff x="0" y="0"/>
+          <a:chExt cx="0" cy="0"/>
+        </a:xfrm>
+      </p:grpSpPr>
+      <p:sp>
+        <p:nvSpPr>
+          <p:cNvPr id="2" name="Title 1">
+            <a:extLst>
+              <a:ext uri="{FF2B5EF4-FFF2-40B4-BE49-F238E27FC236}">
                 <a16:creationId xmlns:a16="http://schemas.microsoft.com/office/drawing/2014/main" id="{0225C3F1-05B4-AAD4-8584-BD4DE4C17BEA}"/>
               </a:ext>
             </a:extLst>
@@ -13345,9 +13644,20 @@
             </a:r>
             <a:r>
               <a:rPr lang="en-US" sz="2800" dirty="0" err="1"/>
-              <a:t>optimisation</a:t>
-            </a:r>
-            <a:endParaRPr lang="en-US" sz="2800" dirty="0"/>
+              <a:t>optimi</a:t>
+            </a:r>
+            <a:r>
+              <a:rPr lang="en-US" dirty="0" err="1"/>
+              <a:t>s</a:t>
+            </a:r>
+            <a:r>
+              <a:rPr lang="en-US" sz="2800" dirty="0" err="1"/>
+              <a:t>ation</a:t>
+            </a:r>
+            <a:r>
+              <a:rPr lang="en-US" sz="2800" dirty="0"/>
+              <a:t>.</a:t>
+            </a:r>
           </a:p>
           <a:p>
             <a:pPr marL="190500" indent="-190500">
@@ -13360,7 +13670,7 @@
             </a:r>
             <a:r>
               <a:rPr lang="en-US" sz="2800" dirty="0"/>
-              <a:t> by removing the mean and scaling to unit variance</a:t>
+              <a:t> by removing the mean and scaling to unit variance.</a:t>
             </a:r>
           </a:p>
           <a:p>
@@ -13370,7 +13680,7 @@
             </a:pPr>
             <a:r>
               <a:rPr lang="en-US" sz="2800" dirty="0"/>
-              <a:t>Alternatively scale to [0,1] range (min–max scaling)</a:t>
+              <a:t>Alternatively scale to [0,1] range (min–max scaling).</a:t>
             </a:r>
           </a:p>
           <a:p>
@@ -13380,7 +13690,7 @@
             </a:pPr>
             <a:r>
               <a:rPr lang="en-US" sz="2800" dirty="0"/>
-              <a:t>Improves numerical stability and convergence</a:t>
+              <a:t>Improves numerical stability and convergence.</a:t>
             </a:r>
           </a:p>
           <a:p>
@@ -13411,7 +13721,7 @@
           <a:p>
             <a:fld id="{8E65201D-48DB-3B45-ABC2-018B1E66F34C}" type="slidenum">
               <a:rPr lang="en-US" smtClean="0"/>
-              <a:t>25</a:t>
+              <a:t>26</a:t>
             </a:fld>
             <a:endParaRPr lang="en-US"/>
           </a:p>
@@ -13430,7 +13740,7 @@
 </p:sld>
 </file>
 
-<file path=ppt/slides/slide26.xml><?xml version="1.0" encoding="utf-8"?>
+<file path=ppt/slides/slide27.xml><?xml version="1.0" encoding="utf-8"?>
 <p:sld xmlns:a="http://schemas.openxmlformats.org/drawingml/2006/main" xmlns:r="http://schemas.openxmlformats.org/officeDocument/2006/relationships" xmlns:p="http://schemas.openxmlformats.org/presentationml/2006/main">
   <p:cSld>
     <p:spTree>
@@ -13506,7 +13816,7 @@
           <a:p>
             <a:r>
               <a:rPr lang="en-US" dirty="0"/>
-              <a:t>Stop training when validation loss stops improving (early stopping)</a:t>
+              <a:t>Stop model training when validation loss stops improving (early stopping)</a:t>
             </a:r>
           </a:p>
           <a:p>
@@ -13560,7 +13870,7 @@
           <a:p>
             <a:fld id="{8E65201D-48DB-3B45-ABC2-018B1E66F34C}" type="slidenum">
               <a:rPr lang="en-US" smtClean="0"/>
-              <a:t>26</a:t>
+              <a:t>27</a:t>
             </a:fld>
             <a:endParaRPr lang="en-US"/>
           </a:p>
@@ -13579,7 +13889,7 @@
 </p:sld>
 </file>
 
-<file path=ppt/slides/slide27.xml><?xml version="1.0" encoding="utf-8"?>
+<file path=ppt/slides/slide28.xml><?xml version="1.0" encoding="utf-8"?>
 <p:sld xmlns:a="http://schemas.openxmlformats.org/drawingml/2006/main" xmlns:r="http://schemas.openxmlformats.org/officeDocument/2006/relationships" xmlns:p="http://schemas.openxmlformats.org/presentationml/2006/main">
   <p:cSld>
     <p:spTree>
@@ -13766,7 +14076,7 @@
           <a:p>
             <a:fld id="{8E65201D-48DB-3B45-ABC2-018B1E66F34C}" type="slidenum">
               <a:rPr lang="en-US" smtClean="0"/>
-              <a:t>27</a:t>
+              <a:t>28</a:t>
             </a:fld>
             <a:endParaRPr lang="en-US"/>
           </a:p>
@@ -13785,7 +14095,7 @@
 </p:sld>
 </file>
 
-<file path=ppt/slides/slide28.xml><?xml version="1.0" encoding="utf-8"?>
+<file path=ppt/slides/slide29.xml><?xml version="1.0" encoding="utf-8"?>
 <p:sld xmlns:a="http://schemas.openxmlformats.org/drawingml/2006/main" xmlns:r="http://schemas.openxmlformats.org/officeDocument/2006/relationships" xmlns:p="http://schemas.openxmlformats.org/presentationml/2006/main">
   <p:cSld>
     <p:spTree>
@@ -14128,7 +14438,7 @@
                   <a:spcPts val="600"/>
                 </a:spcAft>
               </a:pPr>
-              <a:t>28</a:t>
+              <a:t>29</a:t>
             </a:fld>
             <a:endParaRPr lang="en-US" sz="1000"/>
           </a:p>
@@ -14147,7 +14457,222 @@
 </p:sld>
 </file>
 
-<file path=ppt/slides/slide29.xml><?xml version="1.0" encoding="utf-8"?>
+<file path=ppt/slides/slide3.xml><?xml version="1.0" encoding="utf-8"?>
+<p:sld xmlns:a="http://schemas.openxmlformats.org/drawingml/2006/main" xmlns:r="http://schemas.openxmlformats.org/officeDocument/2006/relationships" xmlns:p="http://schemas.openxmlformats.org/presentationml/2006/main">
+  <p:cSld>
+    <p:spTree>
+      <p:nvGrpSpPr>
+        <p:cNvPr id="1" name="">
+          <a:extLst>
+            <a:ext uri="{FF2B5EF4-FFF2-40B4-BE49-F238E27FC236}">
+              <a16:creationId xmlns:a16="http://schemas.microsoft.com/office/drawing/2014/main" id="{2E369361-7BB8-50C7-0B85-81FAACF39E4A}"/>
+            </a:ext>
+          </a:extLst>
+        </p:cNvPr>
+        <p:cNvGrpSpPr/>
+        <p:nvPr/>
+      </p:nvGrpSpPr>
+      <p:grpSpPr>
+        <a:xfrm>
+          <a:off x="0" y="0"/>
+          <a:ext cx="0" cy="0"/>
+          <a:chOff x="0" y="0"/>
+          <a:chExt cx="0" cy="0"/>
+        </a:xfrm>
+      </p:grpSpPr>
+      <p:sp>
+        <p:nvSpPr>
+          <p:cNvPr id="2" name="Title 1">
+            <a:extLst>
+              <a:ext uri="{FF2B5EF4-FFF2-40B4-BE49-F238E27FC236}">
+                <a16:creationId xmlns:a16="http://schemas.microsoft.com/office/drawing/2014/main" id="{C65AD364-1EC0-916C-8601-9F056E761DED}"/>
+              </a:ext>
+            </a:extLst>
+          </p:cNvPr>
+          <p:cNvSpPr>
+            <a:spLocks noGrp="1"/>
+          </p:cNvSpPr>
+          <p:nvPr>
+            <p:ph type="title"/>
+          </p:nvPr>
+        </p:nvSpPr>
+        <p:spPr/>
+        <p:txBody>
+          <a:bodyPr/>
+          <a:lstStyle/>
+          <a:p>
+            <a:r>
+              <a:rPr lang="en-US" dirty="0" err="1"/>
+              <a:t>Github</a:t>
+            </a:r>
+            <a:r>
+              <a:rPr lang="en-US" dirty="0"/>
+              <a:t> repo</a:t>
+            </a:r>
+          </a:p>
+        </p:txBody>
+      </p:sp>
+      <p:sp>
+        <p:nvSpPr>
+          <p:cNvPr id="3" name="Content Placeholder 2">
+            <a:extLst>
+              <a:ext uri="{FF2B5EF4-FFF2-40B4-BE49-F238E27FC236}">
+                <a16:creationId xmlns:a16="http://schemas.microsoft.com/office/drawing/2014/main" id="{72EB3572-F3A9-A8CD-B1B7-6558F6EAAEAD}"/>
+              </a:ext>
+            </a:extLst>
+          </p:cNvPr>
+          <p:cNvSpPr>
+            <a:spLocks noGrp="1"/>
+          </p:cNvSpPr>
+          <p:nvPr>
+            <p:ph idx="1"/>
+          </p:nvPr>
+        </p:nvSpPr>
+        <p:spPr/>
+        <p:txBody>
+          <a:bodyPr>
+            <a:normAutofit fontScale="85000" lnSpcReduction="10000"/>
+          </a:bodyPr>
+          <a:lstStyle/>
+          <a:p>
+            <a:r>
+              <a:rPr lang="en-US" dirty="0"/>
+              <a:t>All information at: </a:t>
+            </a:r>
+            <a:r>
+              <a:rPr lang="en-US" dirty="0">
+                <a:latin typeface="Courier New" panose="02070309020205020404" pitchFamily="49" charset="0"/>
+                <a:cs typeface="Courier New" panose="02070309020205020404" pitchFamily="49" charset="0"/>
+              </a:rPr>
+              <a:t>https://</a:t>
+            </a:r>
+            <a:r>
+              <a:rPr lang="en-US" dirty="0" err="1">
+                <a:latin typeface="Courier New" panose="02070309020205020404" pitchFamily="49" charset="0"/>
+                <a:cs typeface="Courier New" panose="02070309020205020404" pitchFamily="49" charset="0"/>
+              </a:rPr>
+              <a:t>github.com</a:t>
+            </a:r>
+            <a:r>
+              <a:rPr lang="en-US" dirty="0">
+                <a:latin typeface="Courier New" panose="02070309020205020404" pitchFamily="49" charset="0"/>
+                <a:cs typeface="Courier New" panose="02070309020205020404" pitchFamily="49" charset="0"/>
+              </a:rPr>
+              <a:t>/</a:t>
+            </a:r>
+            <a:r>
+              <a:rPr lang="en-US" dirty="0" err="1">
+                <a:latin typeface="Courier New" panose="02070309020205020404" pitchFamily="49" charset="0"/>
+                <a:cs typeface="Courier New" panose="02070309020205020404" pitchFamily="49" charset="0"/>
+              </a:rPr>
+              <a:t>andrewcparnell</a:t>
+            </a:r>
+            <a:r>
+              <a:rPr lang="en-US" dirty="0">
+                <a:latin typeface="Courier New" panose="02070309020205020404" pitchFamily="49" charset="0"/>
+                <a:cs typeface="Courier New" panose="02070309020205020404" pitchFamily="49" charset="0"/>
+              </a:rPr>
+              <a:t>/STAT41130</a:t>
+            </a:r>
+          </a:p>
+          <a:p>
+            <a:r>
+              <a:rPr lang="en-US" dirty="0"/>
+              <a:t>Contains slides (PPT files), code (Python script files), and worksheets.</a:t>
+            </a:r>
+          </a:p>
+          <a:p>
+            <a:r>
+              <a:rPr lang="en-US" dirty="0"/>
+              <a:t>To access the material either:</a:t>
+            </a:r>
+          </a:p>
+          <a:p>
+            <a:pPr lvl="1"/>
+            <a:r>
+              <a:rPr lang="en-US" dirty="0"/>
+              <a:t>Use git directly to download the materials</a:t>
+            </a:r>
+          </a:p>
+          <a:p>
+            <a:pPr lvl="1"/>
+            <a:r>
+              <a:rPr lang="en-US" dirty="0"/>
+              <a:t>Go to the website and click: Code -&gt; Download Zip</a:t>
+            </a:r>
+          </a:p>
+          <a:p>
+            <a:r>
+              <a:rPr lang="en-US" dirty="0"/>
+              <a:t>If you find typos/bugs either:</a:t>
+            </a:r>
+          </a:p>
+          <a:p>
+            <a:pPr lvl="1"/>
+            <a:r>
+              <a:rPr lang="en-US" dirty="0"/>
+              <a:t>Let me know (basic)</a:t>
+            </a:r>
+          </a:p>
+          <a:p>
+            <a:pPr lvl="1"/>
+            <a:r>
+              <a:rPr lang="en-US" dirty="0"/>
+              <a:t>File an issue on the GitHub page (intermediate)</a:t>
+            </a:r>
+          </a:p>
+          <a:p>
+            <a:pPr lvl="1"/>
+            <a:r>
+              <a:rPr lang="en-US" dirty="0"/>
+              <a:t>Create a Pull Request and fix it yourself (advanced, and most helpful)</a:t>
+            </a:r>
+          </a:p>
+        </p:txBody>
+      </p:sp>
+      <p:sp>
+        <p:nvSpPr>
+          <p:cNvPr id="4" name="Slide Number Placeholder 3">
+            <a:extLst>
+              <a:ext uri="{FF2B5EF4-FFF2-40B4-BE49-F238E27FC236}">
+                <a16:creationId xmlns:a16="http://schemas.microsoft.com/office/drawing/2014/main" id="{09AC871B-19E6-0C6F-EDB7-E160D1101A44}"/>
+              </a:ext>
+            </a:extLst>
+          </p:cNvPr>
+          <p:cNvSpPr>
+            <a:spLocks noGrp="1"/>
+          </p:cNvSpPr>
+          <p:nvPr>
+            <p:ph type="sldNum" sz="quarter" idx="12"/>
+          </p:nvPr>
+        </p:nvSpPr>
+        <p:spPr/>
+        <p:txBody>
+          <a:bodyPr/>
+          <a:lstStyle/>
+          <a:p>
+            <a:fld id="{8E65201D-48DB-3B45-ABC2-018B1E66F34C}" type="slidenum">
+              <a:rPr lang="en-US" smtClean="0"/>
+              <a:t>3</a:t>
+            </a:fld>
+            <a:endParaRPr lang="en-US"/>
+          </a:p>
+        </p:txBody>
+      </p:sp>
+    </p:spTree>
+    <p:extLst>
+      <p:ext uri="{BB962C8B-B14F-4D97-AF65-F5344CB8AC3E}">
+        <p14:creationId xmlns:p14="http://schemas.microsoft.com/office/powerpoint/2010/main" val="994236747"/>
+      </p:ext>
+    </p:extLst>
+  </p:cSld>
+  <p:clrMapOvr>
+    <a:masterClrMapping/>
+  </p:clrMapOvr>
+</p:sld>
+</file>
+
+<file path=ppt/slides/slide30.xml><?xml version="1.0" encoding="utf-8"?>
 <p:sld xmlns:a="http://schemas.openxmlformats.org/drawingml/2006/main" xmlns:r="http://schemas.openxmlformats.org/officeDocument/2006/relationships" xmlns:p="http://schemas.openxmlformats.org/presentationml/2006/main">
   <p:cSld>
     <p:spTree>
@@ -14455,7 +14980,7 @@
           <a:p>
             <a:fld id="{8E65201D-48DB-3B45-ABC2-018B1E66F34C}" type="slidenum">
               <a:rPr lang="en-US" smtClean="0"/>
-              <a:t>29</a:t>
+              <a:t>30</a:t>
             </a:fld>
             <a:endParaRPr lang="en-US"/>
           </a:p>
@@ -14474,222 +14999,7 @@
 </p:sld>
 </file>
 
-<file path=ppt/slides/slide3.xml><?xml version="1.0" encoding="utf-8"?>
-<p:sld xmlns:a="http://schemas.openxmlformats.org/drawingml/2006/main" xmlns:r="http://schemas.openxmlformats.org/officeDocument/2006/relationships" xmlns:p="http://schemas.openxmlformats.org/presentationml/2006/main">
-  <p:cSld>
-    <p:spTree>
-      <p:nvGrpSpPr>
-        <p:cNvPr id="1" name="">
-          <a:extLst>
-            <a:ext uri="{FF2B5EF4-FFF2-40B4-BE49-F238E27FC236}">
-              <a16:creationId xmlns:a16="http://schemas.microsoft.com/office/drawing/2014/main" id="{2E369361-7BB8-50C7-0B85-81FAACF39E4A}"/>
-            </a:ext>
-          </a:extLst>
-        </p:cNvPr>
-        <p:cNvGrpSpPr/>
-        <p:nvPr/>
-      </p:nvGrpSpPr>
-      <p:grpSpPr>
-        <a:xfrm>
-          <a:off x="0" y="0"/>
-          <a:ext cx="0" cy="0"/>
-          <a:chOff x="0" y="0"/>
-          <a:chExt cx="0" cy="0"/>
-        </a:xfrm>
-      </p:grpSpPr>
-      <p:sp>
-        <p:nvSpPr>
-          <p:cNvPr id="2" name="Title 1">
-            <a:extLst>
-              <a:ext uri="{FF2B5EF4-FFF2-40B4-BE49-F238E27FC236}">
-                <a16:creationId xmlns:a16="http://schemas.microsoft.com/office/drawing/2014/main" id="{C65AD364-1EC0-916C-8601-9F056E761DED}"/>
-              </a:ext>
-            </a:extLst>
-          </p:cNvPr>
-          <p:cNvSpPr>
-            <a:spLocks noGrp="1"/>
-          </p:cNvSpPr>
-          <p:nvPr>
-            <p:ph type="title"/>
-          </p:nvPr>
-        </p:nvSpPr>
-        <p:spPr/>
-        <p:txBody>
-          <a:bodyPr/>
-          <a:lstStyle/>
-          <a:p>
-            <a:r>
-              <a:rPr lang="en-US" dirty="0" err="1"/>
-              <a:t>Github</a:t>
-            </a:r>
-            <a:r>
-              <a:rPr lang="en-US" dirty="0"/>
-              <a:t> repo</a:t>
-            </a:r>
-          </a:p>
-        </p:txBody>
-      </p:sp>
-      <p:sp>
-        <p:nvSpPr>
-          <p:cNvPr id="3" name="Content Placeholder 2">
-            <a:extLst>
-              <a:ext uri="{FF2B5EF4-FFF2-40B4-BE49-F238E27FC236}">
-                <a16:creationId xmlns:a16="http://schemas.microsoft.com/office/drawing/2014/main" id="{72EB3572-F3A9-A8CD-B1B7-6558F6EAAEAD}"/>
-              </a:ext>
-            </a:extLst>
-          </p:cNvPr>
-          <p:cNvSpPr>
-            <a:spLocks noGrp="1"/>
-          </p:cNvSpPr>
-          <p:nvPr>
-            <p:ph idx="1"/>
-          </p:nvPr>
-        </p:nvSpPr>
-        <p:spPr/>
-        <p:txBody>
-          <a:bodyPr>
-            <a:normAutofit fontScale="85000" lnSpcReduction="10000"/>
-          </a:bodyPr>
-          <a:lstStyle/>
-          <a:p>
-            <a:r>
-              <a:rPr lang="en-US" dirty="0"/>
-              <a:t>All information at: </a:t>
-            </a:r>
-            <a:r>
-              <a:rPr lang="en-US" dirty="0">
-                <a:latin typeface="Courier New" panose="02070309020205020404" pitchFamily="49" charset="0"/>
-                <a:cs typeface="Courier New" panose="02070309020205020404" pitchFamily="49" charset="0"/>
-              </a:rPr>
-              <a:t>https://</a:t>
-            </a:r>
-            <a:r>
-              <a:rPr lang="en-US" dirty="0" err="1">
-                <a:latin typeface="Courier New" panose="02070309020205020404" pitchFamily="49" charset="0"/>
-                <a:cs typeface="Courier New" panose="02070309020205020404" pitchFamily="49" charset="0"/>
-              </a:rPr>
-              <a:t>github.com</a:t>
-            </a:r>
-            <a:r>
-              <a:rPr lang="en-US" dirty="0">
-                <a:latin typeface="Courier New" panose="02070309020205020404" pitchFamily="49" charset="0"/>
-                <a:cs typeface="Courier New" panose="02070309020205020404" pitchFamily="49" charset="0"/>
-              </a:rPr>
-              <a:t>/</a:t>
-            </a:r>
-            <a:r>
-              <a:rPr lang="en-US" dirty="0" err="1">
-                <a:latin typeface="Courier New" panose="02070309020205020404" pitchFamily="49" charset="0"/>
-                <a:cs typeface="Courier New" panose="02070309020205020404" pitchFamily="49" charset="0"/>
-              </a:rPr>
-              <a:t>andrewcparnell</a:t>
-            </a:r>
-            <a:r>
-              <a:rPr lang="en-US" dirty="0">
-                <a:latin typeface="Courier New" panose="02070309020205020404" pitchFamily="49" charset="0"/>
-                <a:cs typeface="Courier New" panose="02070309020205020404" pitchFamily="49" charset="0"/>
-              </a:rPr>
-              <a:t>/STAT41130</a:t>
-            </a:r>
-          </a:p>
-          <a:p>
-            <a:r>
-              <a:rPr lang="en-US" dirty="0"/>
-              <a:t>Contains slides (PPT files), code (Python script files), and worksheets</a:t>
-            </a:r>
-          </a:p>
-          <a:p>
-            <a:r>
-              <a:rPr lang="en-US" dirty="0"/>
-              <a:t>To access the material either:</a:t>
-            </a:r>
-          </a:p>
-          <a:p>
-            <a:pPr lvl="1"/>
-            <a:r>
-              <a:rPr lang="en-US" dirty="0"/>
-              <a:t>Use git directly to download the materials</a:t>
-            </a:r>
-          </a:p>
-          <a:p>
-            <a:pPr lvl="1"/>
-            <a:r>
-              <a:rPr lang="en-US" dirty="0"/>
-              <a:t>Go to the website and click: Code -&gt; Download Zip</a:t>
-            </a:r>
-          </a:p>
-          <a:p>
-            <a:r>
-              <a:rPr lang="en-US" dirty="0"/>
-              <a:t>If you find typos/bugs either:</a:t>
-            </a:r>
-          </a:p>
-          <a:p>
-            <a:pPr lvl="1"/>
-            <a:r>
-              <a:rPr lang="en-US" dirty="0"/>
-              <a:t>Let me know (basic)</a:t>
-            </a:r>
-          </a:p>
-          <a:p>
-            <a:pPr lvl="1"/>
-            <a:r>
-              <a:rPr lang="en-US" dirty="0"/>
-              <a:t>File an issue on the GitHub page (intermediate)</a:t>
-            </a:r>
-          </a:p>
-          <a:p>
-            <a:pPr lvl="1"/>
-            <a:r>
-              <a:rPr lang="en-US" dirty="0"/>
-              <a:t>Create a Pull Request and fix it yourself (advanced, and most helpful)</a:t>
-            </a:r>
-          </a:p>
-        </p:txBody>
-      </p:sp>
-      <p:sp>
-        <p:nvSpPr>
-          <p:cNvPr id="4" name="Slide Number Placeholder 3">
-            <a:extLst>
-              <a:ext uri="{FF2B5EF4-FFF2-40B4-BE49-F238E27FC236}">
-                <a16:creationId xmlns:a16="http://schemas.microsoft.com/office/drawing/2014/main" id="{09AC871B-19E6-0C6F-EDB7-E160D1101A44}"/>
-              </a:ext>
-            </a:extLst>
-          </p:cNvPr>
-          <p:cNvSpPr>
-            <a:spLocks noGrp="1"/>
-          </p:cNvSpPr>
-          <p:nvPr>
-            <p:ph type="sldNum" sz="quarter" idx="12"/>
-          </p:nvPr>
-        </p:nvSpPr>
-        <p:spPr/>
-        <p:txBody>
-          <a:bodyPr/>
-          <a:lstStyle/>
-          <a:p>
-            <a:fld id="{8E65201D-48DB-3B45-ABC2-018B1E66F34C}" type="slidenum">
-              <a:rPr lang="en-US" smtClean="0"/>
-              <a:t>3</a:t>
-            </a:fld>
-            <a:endParaRPr lang="en-US"/>
-          </a:p>
-        </p:txBody>
-      </p:sp>
-    </p:spTree>
-    <p:extLst>
-      <p:ext uri="{BB962C8B-B14F-4D97-AF65-F5344CB8AC3E}">
-        <p14:creationId xmlns:p14="http://schemas.microsoft.com/office/powerpoint/2010/main" val="994236747"/>
-      </p:ext>
-    </p:extLst>
-  </p:cSld>
-  <p:clrMapOvr>
-    <a:masterClrMapping/>
-  </p:clrMapOvr>
-</p:sld>
-</file>
-
-<file path=ppt/slides/slide30.xml><?xml version="1.0" encoding="utf-8"?>
+<file path=ppt/slides/slide31.xml><?xml version="1.0" encoding="utf-8"?>
 <p:sld xmlns:a="http://schemas.openxmlformats.org/drawingml/2006/main" xmlns:r="http://schemas.openxmlformats.org/officeDocument/2006/relationships" xmlns:p="http://schemas.openxmlformats.org/presentationml/2006/main">
   <p:cSld>
     <p:spTree>
@@ -14750,7 +15060,12 @@
             <p:ph idx="1"/>
           </p:nvPr>
         </p:nvSpPr>
-        <p:spPr/>
+        <p:spPr>
+          <a:xfrm>
+            <a:off x="838199" y="1825625"/>
+            <a:ext cx="8585579" cy="4149290"/>
+          </a:xfrm>
+        </p:spPr>
         <p:txBody>
           <a:bodyPr>
             <a:normAutofit lnSpcReduction="10000"/>
@@ -15065,7 +15380,7 @@
           <a:p>
             <a:fld id="{8E65201D-48DB-3B45-ABC2-018B1E66F34C}" type="slidenum">
               <a:rPr lang="en-US" smtClean="0"/>
-              <a:t>30</a:t>
+              <a:t>31</a:t>
             </a:fld>
             <a:endParaRPr lang="en-US"/>
           </a:p>
@@ -15084,7 +15399,7 @@
 </p:sld>
 </file>
 
-<file path=ppt/slides/slide31.xml><?xml version="1.0" encoding="utf-8"?>
+<file path=ppt/slides/slide32.xml><?xml version="1.0" encoding="utf-8"?>
 <p:sld xmlns:a="http://schemas.openxmlformats.org/drawingml/2006/main" xmlns:r="http://schemas.openxmlformats.org/officeDocument/2006/relationships" xmlns:p="http://schemas.openxmlformats.org/presentationml/2006/main">
   <p:cSld>
     <p:spTree>
@@ -15370,7 +15685,7 @@
                   <a:spcPts val="600"/>
                 </a:spcAft>
               </a:pPr>
-              <a:t>31</a:t>
+              <a:t>32</a:t>
             </a:fld>
             <a:endParaRPr lang="en-US" sz="1000">
               <a:solidFill>
@@ -15395,7 +15710,7 @@
 </p:sld>
 </file>
 
-<file path=ppt/slides/slide32.xml><?xml version="1.0" encoding="utf-8"?>
+<file path=ppt/slides/slide33.xml><?xml version="1.0" encoding="utf-8"?>
 <p:sld xmlns:a="http://schemas.openxmlformats.org/drawingml/2006/main" xmlns:r="http://schemas.openxmlformats.org/officeDocument/2006/relationships" xmlns:p="http://schemas.openxmlformats.org/presentationml/2006/main">
   <p:cSld>
     <p:spTree>
@@ -15414,10 +15729,10 @@
       </p:grpSpPr>
       <p:sp>
         <p:nvSpPr>
-          <p:cNvPr id="6" name="Title 5">
+          <p:cNvPr id="2" name="Title 1">
             <a:extLst>
               <a:ext uri="{FF2B5EF4-FFF2-40B4-BE49-F238E27FC236}">
-                <a16:creationId xmlns:a16="http://schemas.microsoft.com/office/drawing/2014/main" id="{D4FE1B84-3F3C-6B9E-6093-B6092FF6F0EB}"/>
+                <a16:creationId xmlns:a16="http://schemas.microsoft.com/office/drawing/2014/main" id="{5052E3C7-E02A-F443-93FF-99B0D12844EC}"/>
               </a:ext>
             </a:extLst>
           </p:cNvPr>
@@ -15442,10 +15757,10 @@
       </p:sp>
       <p:sp>
         <p:nvSpPr>
-          <p:cNvPr id="7" name="Content Placeholder 6">
+          <p:cNvPr id="3" name="Content Placeholder 2">
             <a:extLst>
               <a:ext uri="{FF2B5EF4-FFF2-40B4-BE49-F238E27FC236}">
-                <a16:creationId xmlns:a16="http://schemas.microsoft.com/office/drawing/2014/main" id="{973EDD81-3B6D-9CD6-BE0C-51BB1B79C586}"/>
+                <a16:creationId xmlns:a16="http://schemas.microsoft.com/office/drawing/2014/main" id="{92B1495C-38DD-F9F0-478E-D16C6E4C61EA}"/>
               </a:ext>
             </a:extLst>
           </p:cNvPr>
@@ -15458,15 +15773,25 @@
         </p:nvSpPr>
         <p:spPr/>
         <p:txBody>
-          <a:bodyPr/>
+          <a:bodyPr>
+            <a:normAutofit lnSpcReduction="10000"/>
+          </a:bodyPr>
           <a:lstStyle/>
           <a:p>
+            <a:pPr marL="457200" indent="-457200">
+              <a:buFont typeface="Arial" panose="020B0604020202020204" pitchFamily="34" charset="0"/>
+              <a:buChar char="•"/>
+            </a:pPr>
             <a:r>
               <a:rPr lang="en-US" dirty="0"/>
-              <a:t>Key ingredients: loss function, prediction function, gradients</a:t>
-            </a:r>
-          </a:p>
-          <a:p>
+              <a:t>Key ingredients: loss function, prediction function, gradients.</a:t>
+            </a:r>
+          </a:p>
+          <a:p>
+            <a:pPr marL="457200" indent="-457200">
+              <a:buFont typeface="Arial" panose="020B0604020202020204" pitchFamily="34" charset="0"/>
+              <a:buChar char="•"/>
+            </a:pPr>
             <a:r>
               <a:rPr lang="en-US" dirty="0"/>
               <a:t>Loop through using gradient descent to </a:t>
@@ -15477,22 +15802,34 @@
             </a:r>
             <a:r>
               <a:rPr lang="en-US" dirty="0"/>
-              <a:t> the weights and the biases</a:t>
-            </a:r>
-          </a:p>
-          <a:p>
+              <a:t> the weights and the biases.</a:t>
+            </a:r>
+          </a:p>
+          <a:p>
+            <a:pPr marL="457200" indent="-457200">
+              <a:buFont typeface="Arial" panose="020B0604020202020204" pitchFamily="34" charset="0"/>
+              <a:buChar char="•"/>
+            </a:pPr>
             <a:r>
               <a:rPr lang="en-US" dirty="0"/>
-              <a:t>Run over epochs until the parameters converge</a:t>
-            </a:r>
-          </a:p>
-          <a:p>
+              <a:t>Run over epochs until the parameters converge.</a:t>
+            </a:r>
+          </a:p>
+          <a:p>
+            <a:pPr marL="457200" indent="-457200">
+              <a:buFont typeface="Arial" panose="020B0604020202020204" pitchFamily="34" charset="0"/>
+              <a:buChar char="•"/>
+            </a:pPr>
             <a:r>
               <a:rPr lang="en-US" dirty="0"/>
-              <a:t>Use the final values as your final model to predict</a:t>
-            </a:r>
-          </a:p>
-          <a:p>
+              <a:t>Use the final values as your final model to predict.</a:t>
+            </a:r>
+          </a:p>
+          <a:p>
+            <a:pPr marL="457200" indent="-457200">
+              <a:buFont typeface="Arial" panose="020B0604020202020204" pitchFamily="34" charset="0"/>
+              <a:buChar char="•"/>
+            </a:pPr>
             <a:r>
               <a:rPr lang="en-US" dirty="0"/>
               <a:t>All code available to re-create these plots in the </a:t>
@@ -15503,44 +15840,15 @@
             </a:r>
             <a:r>
               <a:rPr lang="en-US" dirty="0"/>
-              <a:t> repository</a:t>
-            </a:r>
-          </a:p>
-        </p:txBody>
-      </p:sp>
-      <p:sp>
-        <p:nvSpPr>
-          <p:cNvPr id="5" name="Slide Number Placeholder 4">
-            <a:extLst>
-              <a:ext uri="{FF2B5EF4-FFF2-40B4-BE49-F238E27FC236}">
-                <a16:creationId xmlns:a16="http://schemas.microsoft.com/office/drawing/2014/main" id="{4BA90A18-A560-5695-75DD-4C31F55AD5CE}"/>
-              </a:ext>
-            </a:extLst>
-          </p:cNvPr>
-          <p:cNvSpPr>
-            <a:spLocks noGrp="1"/>
-          </p:cNvSpPr>
-          <p:nvPr>
-            <p:ph type="sldNum" sz="quarter" idx="12"/>
-          </p:nvPr>
-        </p:nvSpPr>
-        <p:spPr/>
-        <p:txBody>
-          <a:bodyPr/>
-          <a:lstStyle/>
-          <a:p>
-            <a:fld id="{8E65201D-48DB-3B45-ABC2-018B1E66F34C}" type="slidenum">
-              <a:rPr lang="en-US" smtClean="0"/>
-              <a:t>32</a:t>
-            </a:fld>
-            <a:endParaRPr lang="en-US"/>
+              <a:t> repository.</a:t>
+            </a:r>
           </a:p>
         </p:txBody>
       </p:sp>
     </p:spTree>
     <p:extLst>
       <p:ext uri="{BB962C8B-B14F-4D97-AF65-F5344CB8AC3E}">
-        <p14:creationId xmlns:p14="http://schemas.microsoft.com/office/powerpoint/2010/main" val="463214184"/>
+        <p14:creationId xmlns:p14="http://schemas.microsoft.com/office/powerpoint/2010/main" val="2902375257"/>
       </p:ext>
     </p:extLst>
   </p:cSld>
@@ -15626,7 +15934,7 @@
           <a:p>
             <a:r>
               <a:rPr lang="en-US" dirty="0"/>
-              <a:t>Best if you have Ubuntu or similar Linux running on your computer</a:t>
+              <a:t>Best if you have Ubuntu or similar Linux running on your computer.</a:t>
             </a:r>
           </a:p>
           <a:p>
@@ -15651,46 +15959,39 @@
             </a:r>
             <a:r>
               <a:rPr lang="en-US" dirty="0"/>
-              <a:t> repo</a:t>
+              <a:t> repo.</a:t>
             </a:r>
           </a:p>
           <a:p>
             <a:r>
               <a:rPr lang="en-US" dirty="0"/>
-              <a:t>We can go through how to set this up</a:t>
+              <a:t>We can go through how to set this up.</a:t>
             </a:r>
           </a:p>
           <a:p>
             <a:r>
               <a:rPr lang="en-US" dirty="0"/>
-              <a:t>Use VS code for coding</a:t>
+              <a:t>Use VS code for coding.</a:t>
             </a:r>
           </a:p>
           <a:p>
             <a:r>
               <a:rPr lang="en-US" dirty="0"/>
               <a:t>Install the requirements in the </a:t>
-            </a:r>
-            <a:r>
-              <a:rPr lang="en-US" dirty="0" err="1">
-                <a:latin typeface="Courier New" panose="02070309020205020404" pitchFamily="49" charset="0"/>
-                <a:cs typeface="Courier New" panose="02070309020205020404" pitchFamily="49" charset="0"/>
-              </a:rPr>
-              <a:t>requirements_ECMWF.txt</a:t>
             </a:r>
             <a:r>
               <a:rPr lang="en-US" dirty="0">
                 <a:latin typeface="Courier New" panose="02070309020205020404" pitchFamily="49" charset="0"/>
                 <a:cs typeface="Courier New" panose="02070309020205020404" pitchFamily="49" charset="0"/>
               </a:rPr>
-              <a:t> </a:t>
+              <a:t>requirements_ECMWF.txt </a:t>
             </a:r>
             <a:r>
               <a:rPr lang="en-US" dirty="0"/>
               <a:t>file and ensure the </a:t>
             </a:r>
             <a:r>
-              <a:rPr lang="en-US" dirty="0" err="1">
+              <a:rPr lang="en-US" dirty="0">
                 <a:latin typeface="Courier New" panose="02070309020205020404" pitchFamily="49" charset="0"/>
                 <a:cs typeface="Courier New" panose="02070309020205020404" pitchFamily="49" charset="0"/>
               </a:rPr>
@@ -15698,7 +15999,7 @@
             </a:r>
             <a:r>
               <a:rPr lang="en-US" dirty="0"/>
-              <a:t> script runs</a:t>
+              <a:t> script runs.</a:t>
             </a:r>
           </a:p>
         </p:txBody>
@@ -15849,7 +16150,7 @@
             <p:ph idx="4294967295"/>
             <p:extLst>
               <p:ext uri="{D42A27DB-BD31-4B8C-83A1-F6EECF244321}">
-                <p14:modId xmlns:p14="http://schemas.microsoft.com/office/powerpoint/2010/main" val="524537454"/>
+                <p14:modId xmlns:p14="http://schemas.microsoft.com/office/powerpoint/2010/main" val="984180004"/>
               </p:ext>
             </p:extLst>
           </p:nvPr>

--- a/slides/day 1/D1C1_LR_NNs.pptx
+++ b/slides/day 1/D1C1_LR_NNs.pptx
@@ -8874,7 +8874,7 @@
           <a:p>
             <a:r>
               <a:rPr lang="en-US" dirty="0"/>
-              <a:t>Lecture 1: Linear regression to Neural networks</a:t>
+              <a:t>Class 1: Linear regression to Neural networks</a:t>
             </a:r>
           </a:p>
         </p:txBody>
@@ -9759,6 +9759,66 @@
                       <a:srgbClr val="009749"/>
                     </a:solidFill>
                   </a:rPr>
+                  <a:t> for </a:t>
+                </a:r>
+                <a14:m>
+                  <m:oMath xmlns:m="http://schemas.openxmlformats.org/officeDocument/2006/math">
+                    <m:r>
+                      <a:rPr lang="en-US" i="1" dirty="0" smtClean="0">
+                        <a:solidFill>
+                          <a:srgbClr val="009749"/>
+                        </a:solidFill>
+                        <a:latin typeface="Cambria Math" panose="02040503050406030204" pitchFamily="18" charset="0"/>
+                      </a:rPr>
+                      <m:t>𝑏</m:t>
+                    </m:r>
+                    <m:r>
+                      <a:rPr lang="en-US" i="1" dirty="0" smtClean="0">
+                        <a:solidFill>
+                          <a:srgbClr val="009749"/>
+                        </a:solidFill>
+                        <a:latin typeface="Cambria Math" panose="02040503050406030204" pitchFamily="18" charset="0"/>
+                      </a:rPr>
+                      <m:t>=0</m:t>
+                    </m:r>
+                  </m:oMath>
+                </a14:m>
+                <a:r>
+                  <a:rPr lang="en-US" dirty="0">
+                    <a:solidFill>
+                      <a:srgbClr val="009749"/>
+                    </a:solidFill>
+                  </a:rPr>
+                  <a:t> and </a:t>
+                </a:r>
+                <a14:m>
+                  <m:oMath xmlns:m="http://schemas.openxmlformats.org/officeDocument/2006/math">
+                    <m:r>
+                      <a:rPr lang="en-US" i="1" dirty="0" smtClean="0">
+                        <a:solidFill>
+                          <a:srgbClr val="009749"/>
+                        </a:solidFill>
+                        <a:latin typeface="Cambria Math" panose="02040503050406030204" pitchFamily="18" charset="0"/>
+                      </a:rPr>
+                      <m:t>𝑤</m:t>
+                    </m:r>
+                    <m:r>
+                      <a:rPr lang="en-US" i="1" dirty="0" smtClean="0">
+                        <a:solidFill>
+                          <a:srgbClr val="009749"/>
+                        </a:solidFill>
+                        <a:latin typeface="Cambria Math" panose="02040503050406030204" pitchFamily="18" charset="0"/>
+                      </a:rPr>
+                      <m:t> = 0.5</m:t>
+                    </m:r>
+                  </m:oMath>
+                </a14:m>
+                <a:r>
+                  <a:rPr lang="en-US" dirty="0">
+                    <a:solidFill>
+                      <a:srgbClr val="009749"/>
+                    </a:solidFill>
+                  </a:rPr>
                   <a:t>)</a:t>
                 </a:r>
               </a:p>
@@ -9786,7 +9846,7 @@
               <a:blipFill>
                 <a:blip r:embed="rId2"/>
                 <a:stretch>
-                  <a:fillRect l="-1315" t="-3231"/>
+                  <a:fillRect l="-1315" t="-3231" r="-219"/>
                 </a:stretch>
               </a:blipFill>
             </p:spPr>
@@ -10214,8 +10274,8 @@
           </a:p>
         </p:txBody>
       </p:sp>
-      <mc:AlternateContent xmlns:mc="http://schemas.openxmlformats.org/markup-compatibility/2006">
-        <mc:Choice xmlns:a14="http://schemas.microsoft.com/office/drawing/2010/main" Requires="a14">
+      <mc:AlternateContent xmlns:mc="http://schemas.openxmlformats.org/markup-compatibility/2006" xmlns:a14="http://schemas.microsoft.com/office/drawing/2010/main">
+        <mc:Choice Requires="a14">
           <p:sp>
             <p:nvSpPr>
               <p:cNvPr id="5" name="Content Placeholder 4">
@@ -10297,7 +10357,7 @@
             </p:txBody>
           </p:sp>
         </mc:Choice>
-        <mc:Fallback>
+        <mc:Fallback xmlns="">
           <p:sp>
             <p:nvSpPr>
               <p:cNvPr id="5" name="Content Placeholder 4">
@@ -10430,8 +10490,8 @@
           </a:p>
         </p:txBody>
       </p:sp>
-      <mc:AlternateContent xmlns:mc="http://schemas.openxmlformats.org/markup-compatibility/2006">
-        <mc:Choice xmlns:a14="http://schemas.microsoft.com/office/drawing/2010/main" Requires="a14">
+      <mc:AlternateContent xmlns:mc="http://schemas.openxmlformats.org/markup-compatibility/2006" xmlns:a14="http://schemas.microsoft.com/office/drawing/2010/main">
+        <mc:Choice Requires="a14">
           <p:sp>
             <p:nvSpPr>
               <p:cNvPr id="5" name="Content Placeholder 4">
@@ -10892,7 +10952,7 @@
             </p:txBody>
           </p:sp>
         </mc:Choice>
-        <mc:Fallback>
+        <mc:Fallback xmlns="">
           <p:sp>
             <p:nvSpPr>
               <p:cNvPr id="5" name="Content Placeholder 4">
@@ -12887,8 +12947,8 @@
           </a:p>
         </p:txBody>
       </p:sp>
-      <mc:AlternateContent xmlns:mc="http://schemas.openxmlformats.org/markup-compatibility/2006">
-        <mc:Choice xmlns:a14="http://schemas.microsoft.com/office/drawing/2010/main" Requires="a14">
+      <mc:AlternateContent xmlns:mc="http://schemas.openxmlformats.org/markup-compatibility/2006" xmlns:a14="http://schemas.microsoft.com/office/drawing/2010/main">
+        <mc:Choice Requires="a14">
           <p:sp>
             <p:nvSpPr>
               <p:cNvPr id="3" name="Content Placeholder 2">
@@ -13004,7 +13064,7 @@
             </p:txBody>
           </p:sp>
         </mc:Choice>
-        <mc:Fallback>
+        <mc:Fallback xmlns="">
           <p:sp>
             <p:nvSpPr>
               <p:cNvPr id="3" name="Content Placeholder 2">
@@ -14153,8 +14213,8 @@
           </a:p>
         </p:txBody>
       </p:sp>
-      <mc:AlternateContent xmlns:mc="http://schemas.openxmlformats.org/markup-compatibility/2006" xmlns:a14="http://schemas.microsoft.com/office/drawing/2010/main">
-        <mc:Choice Requires="a14">
+      <mc:AlternateContent xmlns:mc="http://schemas.openxmlformats.org/markup-compatibility/2006">
+        <mc:Choice xmlns:a14="http://schemas.microsoft.com/office/drawing/2010/main" Requires="a14">
           <p:sp>
             <p:nvSpPr>
               <p:cNvPr id="3" name="Content Placeholder 2">
@@ -14301,15 +14361,7 @@
               <a:p>
                 <a:r>
                   <a:rPr lang="en-US" sz="2000" dirty="0"/>
-                  <a:t>New updates for b, w1, and w2 </a:t>
-                </a:r>
-                <a:r>
-                  <a:rPr lang="en-US" sz="2000" dirty="0">
-                    <a:solidFill>
-                      <a:srgbClr val="009749"/>
-                    </a:solidFill>
-                  </a:rPr>
-                  <a:t>(calculation)</a:t>
+                  <a:t>New updates for b, w1, and w2 based on these new derivatives</a:t>
                 </a:r>
               </a:p>
               <a:p>
@@ -14324,7 +14376,7 @@
             </p:txBody>
           </p:sp>
         </mc:Choice>
-        <mc:Fallback xmlns="">
+        <mc:Fallback>
           <p:sp>
             <p:nvSpPr>
               <p:cNvPr id="3" name="Content Placeholder 2">
@@ -14349,7 +14401,7 @@
               <a:blipFill>
                 <a:blip r:embed="rId2"/>
                 <a:stretch>
-                  <a:fillRect l="-1238" t="-1942"/>
+                  <a:fillRect l="-1311" t="-1713" r="-119"/>
                 </a:stretch>
               </a:blipFill>
             </p:spPr>
@@ -14358,7 +14410,7 @@
               <a:lstStyle/>
               <a:p>
                 <a:r>
-                  <a:rPr lang="en-US">
+                  <a:rPr lang="en-IE">
                     <a:noFill/>
                   </a:rPr>
                   <a:t> </a:t>
@@ -14717,8 +14769,8 @@
           </a:p>
         </p:txBody>
       </p:sp>
-      <mc:AlternateContent xmlns:mc="http://schemas.openxmlformats.org/markup-compatibility/2006" xmlns:a14="http://schemas.microsoft.com/office/drawing/2010/main">
-        <mc:Choice Requires="a14">
+      <mc:AlternateContent xmlns:mc="http://schemas.openxmlformats.org/markup-compatibility/2006">
+        <mc:Choice xmlns:a14="http://schemas.microsoft.com/office/drawing/2010/main" Requires="a14">
           <p:sp>
             <p:nvSpPr>
               <p:cNvPr id="3" name="Content Placeholder 2">
@@ -14856,7 +14908,7 @@
                     <a:latin typeface="Courier New" panose="02070309020205020404" pitchFamily="49" charset="0"/>
                     <a:cs typeface="Courier New" panose="02070309020205020404" pitchFamily="49" charset="0"/>
                   </a:rPr>
-                  <a:t>def sigmoid(x):</a:t>
+                  <a:t>def sigmoid(z):</a:t>
                 </a:r>
               </a:p>
               <a:p>
@@ -14882,7 +14934,7 @@
                     <a:latin typeface="Courier New" panose="02070309020205020404" pitchFamily="49" charset="0"/>
                     <a:cs typeface="Courier New" panose="02070309020205020404" pitchFamily="49" charset="0"/>
                   </a:rPr>
-                  <a:t>(-x))</a:t>
+                  <a:t>(-z))</a:t>
                 </a:r>
               </a:p>
               <a:p>
@@ -14917,7 +14969,7 @@
             </p:txBody>
           </p:sp>
         </mc:Choice>
-        <mc:Fallback xmlns="">
+        <mc:Fallback>
           <p:sp>
             <p:nvSpPr>
               <p:cNvPr id="3" name="Content Placeholder 2">
@@ -14938,7 +14990,7 @@
               <a:blipFill>
                 <a:blip r:embed="rId2"/>
                 <a:stretch>
-                  <a:fillRect l="-1520" t="-3354" r="-2280"/>
+                  <a:fillRect l="-1534" t="-3231" r="-2264"/>
                 </a:stretch>
               </a:blipFill>
             </p:spPr>
@@ -14947,7 +14999,7 @@
               <a:lstStyle/>
               <a:p>
                 <a:r>
-                  <a:rPr lang="en-US">
+                  <a:rPr lang="en-IE">
                     <a:noFill/>
                   </a:rPr>
                   <a:t> </a:t>

--- a/slides/day 1/D1C1_LR_NNs.pptx
+++ b/slides/day 1/D1C1_LR_NNs.pptx
@@ -150,7 +150,7 @@
 <file path=ppt/charts/chart1.xml><?xml version="1.0" encoding="utf-8"?>
 <c:chartSpace xmlns:c="http://schemas.openxmlformats.org/drawingml/2006/chart" xmlns:a="http://schemas.openxmlformats.org/drawingml/2006/main" xmlns:r="http://schemas.openxmlformats.org/officeDocument/2006/relationships" xmlns:c16r2="http://schemas.microsoft.com/office/drawing/2015/06/chart">
   <c:date1904 val="0"/>
-  <c:lang val="en-US"/>
+  <c:lang val="en-GB"/>
   <c:roundedCorners val="1"/>
   <mc:AlternateContent xmlns:mc="http://schemas.openxmlformats.org/markup-compatibility/2006">
     <mc:Choice xmlns:c14="http://schemas.microsoft.com/office/drawing/2007/8/2/chart" Requires="c14">
@@ -3522,7 +3522,7 @@
           <a:p>
             <a:fld id="{FF5685EE-3D40-0A4E-BB88-46887330FC0A}" type="datetimeFigureOut">
               <a:rPr lang="en-US" smtClean="0"/>
-              <a:t>10/4/2025</a:t>
+              <a:t>10/5/2025</a:t>
             </a:fld>
             <a:endParaRPr lang="en-US"/>
           </a:p>
@@ -4067,7 +4067,7 @@
             <a:fld id="{16F2FB5F-D553-C945-B874-A642CC0C851F}" type="datetime3">
               <a:rPr lang="en-IE" smtClean="0"/>
               <a:pPr/>
-              <a:t>4 October 2025</a:t>
+              <a:t>5 October 2025</a:t>
             </a:fld>
             <a:endParaRPr lang="en-US" dirty="0"/>
           </a:p>
@@ -5384,7 +5384,7 @@
           <a:p>
             <a:fld id="{D724839B-90DF-FA46-9D52-D10060A86ADB}" type="datetime3">
               <a:rPr lang="en-IE" smtClean="0"/>
-              <a:t>4 October 2025</a:t>
+              <a:t>5 October 2025</a:t>
             </a:fld>
             <a:endParaRPr lang="en-US"/>
           </a:p>
@@ -5673,7 +5673,7 @@
           <a:p>
             <a:fld id="{D3F12174-D4B7-E74D-A582-5C71C550CABE}" type="datetime3">
               <a:rPr lang="en-IE" smtClean="0"/>
-              <a:t>4 October 2025</a:t>
+              <a:t>5 October 2025</a:t>
             </a:fld>
             <a:endParaRPr lang="en-US"/>
           </a:p>
@@ -6128,7 +6128,7 @@
             <a:fld id="{16F2FB5F-D553-C945-B874-A642CC0C851F}" type="datetime3">
               <a:rPr lang="en-IE" smtClean="0"/>
               <a:pPr/>
-              <a:t>4 October 2025</a:t>
+              <a:t>5 October 2025</a:t>
             </a:fld>
             <a:endParaRPr lang="en-US" dirty="0"/>
           </a:p>
@@ -6340,7 +6340,7 @@
             <a:fld id="{16F2FB5F-D553-C945-B874-A642CC0C851F}" type="datetime3">
               <a:rPr lang="en-IE" smtClean="0"/>
               <a:pPr/>
-              <a:t>4 October 2025</a:t>
+              <a:t>5 October 2025</a:t>
             </a:fld>
             <a:endParaRPr lang="en-US" dirty="0"/>
           </a:p>
@@ -6737,7 +6737,7 @@
           <a:p>
             <a:fld id="{07196900-CA2A-2D43-9641-C5C0DD2D22D3}" type="datetime3">
               <a:rPr lang="en-IE" smtClean="0"/>
-              <a:t>4 October 2025</a:t>
+              <a:t>5 October 2025</a:t>
             </a:fld>
             <a:endParaRPr lang="en-US"/>
           </a:p>
@@ -7005,7 +7005,7 @@
           <a:p>
             <a:fld id="{8AB1A910-F8E0-D541-83F2-2CFD6E718762}" type="datetime3">
               <a:rPr lang="en-IE" smtClean="0"/>
-              <a:t>4 October 2025</a:t>
+              <a:t>5 October 2025</a:t>
             </a:fld>
             <a:endParaRPr lang="en-US"/>
           </a:p>
@@ -7147,7 +7147,7 @@
           <a:p>
             <a:fld id="{7E245B59-D3F3-5B43-BDD1-6C7B7CFD2AA6}" type="datetime3">
               <a:rPr lang="en-IE" smtClean="0"/>
-              <a:t>4 October 2025</a:t>
+              <a:t>5 October 2025</a:t>
             </a:fld>
             <a:endParaRPr lang="en-US"/>
           </a:p>
@@ -7260,7 +7260,7 @@
           <a:p>
             <a:fld id="{AD77DDCF-3644-8C44-AE36-2C59F897E125}" type="datetime3">
               <a:rPr lang="en-IE" smtClean="0"/>
-              <a:t>4 October 2025</a:t>
+              <a:t>5 October 2025</a:t>
             </a:fld>
             <a:endParaRPr lang="en-US"/>
           </a:p>
@@ -8331,7 +8331,7 @@
           <a:p>
             <a:fld id="{C1B28D5F-B017-3B47-9775-DA319F6143FF}" type="datetime3">
               <a:rPr lang="en-IE" smtClean="0"/>
-              <a:t>4 October 2025</a:t>
+              <a:t>5 October 2025</a:t>
             </a:fld>
             <a:endParaRPr lang="en-US" dirty="0"/>
           </a:p>
@@ -8874,7 +8874,7 @@
           <a:p>
             <a:r>
               <a:rPr lang="en-US" dirty="0"/>
-              <a:t>Class 1: Linear regression to Neural networks</a:t>
+              <a:t>Class 1: Linear regression to neural networks</a:t>
             </a:r>
           </a:p>
         </p:txBody>
@@ -9443,12 +9443,24 @@
                       <m:jc m:val="centerGroup"/>
                     </m:oMathParaPr>
                     <m:oMath xmlns:m="http://schemas.openxmlformats.org/officeDocument/2006/math">
-                      <m:r>
-                        <a:rPr lang="en-IE" b="0" i="1" smtClean="0">
-                          <a:latin typeface="Cambria Math" panose="02040503050406030204" pitchFamily="18" charset="0"/>
-                        </a:rPr>
-                        <m:t>𝑦</m:t>
-                      </m:r>
+                      <m:acc>
+                        <m:accPr>
+                          <m:chr m:val="̂"/>
+                          <m:ctrlPr>
+                            <a:rPr lang="en-IE" b="0" i="1" smtClean="0">
+                              <a:latin typeface="Cambria Math" panose="02040503050406030204" pitchFamily="18" charset="0"/>
+                            </a:rPr>
+                          </m:ctrlPr>
+                        </m:accPr>
+                        <m:e>
+                          <m:r>
+                            <a:rPr lang="en-IE" b="0" i="1" smtClean="0">
+                              <a:latin typeface="Cambria Math" panose="02040503050406030204" pitchFamily="18" charset="0"/>
+                            </a:rPr>
+                            <m:t>𝑦</m:t>
+                          </m:r>
+                        </m:e>
+                      </m:acc>
                       <m:r>
                         <a:rPr lang="en-IE" b="0" i="1" smtClean="0">
                           <a:latin typeface="Cambria Math" panose="02040503050406030204" pitchFamily="18" charset="0"/>
@@ -9490,18 +9502,6 @@
                           <a:latin typeface="Cambria Math" panose="02040503050406030204" pitchFamily="18" charset="0"/>
                         </a:rPr>
                         <m:t>𝑥</m:t>
-                      </m:r>
-                      <m:r>
-                        <a:rPr lang="en-IE" b="0" i="1" smtClean="0">
-                          <a:latin typeface="Cambria Math" panose="02040503050406030204" pitchFamily="18" charset="0"/>
-                        </a:rPr>
-                        <m:t>+</m:t>
-                      </m:r>
-                      <m:r>
-                        <a:rPr lang="en-IE" b="0" i="1" smtClean="0">
-                          <a:latin typeface="Cambria Math" panose="02040503050406030204" pitchFamily="18" charset="0"/>
-                        </a:rPr>
-                        <m:t>𝑟</m:t>
                       </m:r>
                     </m:oMath>
                   </m:oMathPara>
@@ -9581,6 +9581,10 @@
                 </a:r>
               </a:p>
               <a:p>
+                <a:r>
+                  <a:rPr lang="en-IE" b="0" dirty="0"/>
+                  <a:t>Let </a:t>
+                </a:r>
                 <a14:m>
                   <m:oMath xmlns:m="http://schemas.openxmlformats.org/officeDocument/2006/math">
                     <m:r>
@@ -9593,8 +9597,55 @@
                 </a14:m>
                 <a:r>
                   <a:rPr lang="en-US" dirty="0"/>
-                  <a:t> is a residual (or error) leftover term.</a:t>
+                  <a:t> be a residual (or error) leftover term </a:t>
                 </a:r>
+                <a14:m>
+                  <m:oMath xmlns:m="http://schemas.openxmlformats.org/officeDocument/2006/math">
+                    <m:r>
+                      <a:rPr lang="en-IE" i="1" dirty="0">
+                        <a:latin typeface="Cambria Math" panose="02040503050406030204" pitchFamily="18" charset="0"/>
+                      </a:rPr>
+                      <m:t>𝑟</m:t>
+                    </m:r>
+                    <m:r>
+                      <a:rPr lang="en-IE" b="0" i="1" dirty="0" smtClean="0">
+                        <a:latin typeface="Cambria Math" panose="02040503050406030204" pitchFamily="18" charset="0"/>
+                      </a:rPr>
+                      <m:t>=</m:t>
+                    </m:r>
+                    <m:r>
+                      <a:rPr lang="en-IE" b="0" i="1" dirty="0" smtClean="0">
+                        <a:latin typeface="Cambria Math" panose="02040503050406030204" pitchFamily="18" charset="0"/>
+                      </a:rPr>
+                      <m:t>𝑦</m:t>
+                    </m:r>
+                    <m:r>
+                      <a:rPr lang="en-IE" b="0" i="1" dirty="0" smtClean="0">
+                        <a:latin typeface="Cambria Math" panose="02040503050406030204" pitchFamily="18" charset="0"/>
+                      </a:rPr>
+                      <m:t> − </m:t>
+                    </m:r>
+                    <m:acc>
+                      <m:accPr>
+                        <m:chr m:val="̂"/>
+                        <m:ctrlPr>
+                          <a:rPr lang="en-IE" i="1">
+                            <a:latin typeface="Cambria Math" panose="02040503050406030204" pitchFamily="18" charset="0"/>
+                          </a:rPr>
+                        </m:ctrlPr>
+                      </m:accPr>
+                      <m:e>
+                        <m:r>
+                          <a:rPr lang="en-IE" i="1">
+                            <a:latin typeface="Cambria Math" panose="02040503050406030204" pitchFamily="18" charset="0"/>
+                          </a:rPr>
+                          <m:t>𝑦</m:t>
+                        </m:r>
+                      </m:e>
+                    </m:acc>
+                  </m:oMath>
+                </a14:m>
+                <a:endParaRPr lang="en-US" dirty="0"/>
               </a:p>
               <a:p>
                 <a:r>
@@ -9779,7 +9830,16 @@
                         </a:solidFill>
                         <a:latin typeface="Cambria Math" panose="02040503050406030204" pitchFamily="18" charset="0"/>
                       </a:rPr>
-                      <m:t>=0</m:t>
+                      <m:t>=</m:t>
+                    </m:r>
+                    <m:r>
+                      <a:rPr lang="en-US" i="1" dirty="0" smtClean="0">
+                        <a:solidFill>
+                          <a:srgbClr val="009749"/>
+                        </a:solidFill>
+                        <a:latin typeface="Cambria Math" panose="02040503050406030204" pitchFamily="18" charset="0"/>
+                      </a:rPr>
+                      <m:t>0</m:t>
                     </m:r>
                   </m:oMath>
                 </a14:m>
@@ -9809,7 +9869,34 @@
                         </a:solidFill>
                         <a:latin typeface="Cambria Math" panose="02040503050406030204" pitchFamily="18" charset="0"/>
                       </a:rPr>
-                      <m:t> = 0.5</m:t>
+                      <m:t> = </m:t>
+                    </m:r>
+                    <m:r>
+                      <a:rPr lang="en-US" i="1" dirty="0" smtClean="0">
+                        <a:solidFill>
+                          <a:srgbClr val="009749"/>
+                        </a:solidFill>
+                        <a:latin typeface="Cambria Math" panose="02040503050406030204" pitchFamily="18" charset="0"/>
+                      </a:rPr>
+                      <m:t>0</m:t>
+                    </m:r>
+                    <m:r>
+                      <a:rPr lang="en-US" i="1" dirty="0" smtClean="0">
+                        <a:solidFill>
+                          <a:srgbClr val="009749"/>
+                        </a:solidFill>
+                        <a:latin typeface="Cambria Math" panose="02040503050406030204" pitchFamily="18" charset="0"/>
+                      </a:rPr>
+                      <m:t>.</m:t>
+                    </m:r>
+                    <m:r>
+                      <a:rPr lang="en-US" i="1" dirty="0" smtClean="0">
+                        <a:solidFill>
+                          <a:srgbClr val="009749"/>
+                        </a:solidFill>
+                        <a:latin typeface="Cambria Math" panose="02040503050406030204" pitchFamily="18" charset="0"/>
+                      </a:rPr>
+                      <m:t>5</m:t>
                     </m:r>
                   </m:oMath>
                 </a14:m>
@@ -10490,8 +10577,8 @@
           </a:p>
         </p:txBody>
       </p:sp>
-      <mc:AlternateContent xmlns:mc="http://schemas.openxmlformats.org/markup-compatibility/2006" xmlns:a14="http://schemas.microsoft.com/office/drawing/2010/main">
-        <mc:Choice Requires="a14">
+      <mc:AlternateContent xmlns:mc="http://schemas.openxmlformats.org/markup-compatibility/2006">
+        <mc:Choice xmlns:a14="http://schemas.microsoft.com/office/drawing/2010/main" Requires="a14">
           <p:sp>
             <p:nvSpPr>
               <p:cNvPr id="5" name="Content Placeholder 4">
@@ -10511,84 +10598,23 @@
             <p:spPr/>
             <p:txBody>
               <a:bodyPr>
-                <a:normAutofit fontScale="85000" lnSpcReduction="10000"/>
+                <a:normAutofit fontScale="92500" lnSpcReduction="10000"/>
               </a:bodyPr>
               <a:lstStyle/>
               <a:p>
                 <a:r>
                   <a:rPr lang="en-US" dirty="0"/>
-                  <a:t>The ‘best’ values of b and w will be found when we minimize the sum of squares.</a:t>
+                  <a:t>The ‘best’ values of b and w will be found when we minimize the residual sum of squares.</a:t>
                 </a:r>
               </a:p>
               <a:p>
                 <a:r>
-                  <a:rPr lang="en-US" dirty="0"/>
-                  <a:t>Define the predicted values: </a:t>
+                  <a:rPr lang="en-IE" dirty="0"/>
+                  <a:t>T</a:t>
                 </a:r>
-                <a14:m>
-                  <m:oMath xmlns:m="http://schemas.openxmlformats.org/officeDocument/2006/math">
-                    <m:acc>
-                      <m:accPr>
-                        <m:chr m:val="̂"/>
-                        <m:ctrlPr>
-                          <a:rPr lang="en-IE" b="0" i="1" smtClean="0">
-                            <a:latin typeface="Cambria Math" panose="02040503050406030204" pitchFamily="18" charset="0"/>
-                          </a:rPr>
-                        </m:ctrlPr>
-                      </m:accPr>
-                      <m:e>
-                        <m:r>
-                          <a:rPr lang="en-IE" b="0" i="1" smtClean="0">
-                            <a:latin typeface="Cambria Math" panose="02040503050406030204" pitchFamily="18" charset="0"/>
-                          </a:rPr>
-                          <m:t>𝑦</m:t>
-                        </m:r>
-                      </m:e>
-                    </m:acc>
-                    <m:r>
-                      <a:rPr lang="en-IE" b="0" i="1" dirty="0" smtClean="0">
-                        <a:latin typeface="Cambria Math" panose="02040503050406030204" pitchFamily="18" charset="0"/>
-                      </a:rPr>
-                      <m:t>=</m:t>
-                    </m:r>
-                    <m:r>
-                      <a:rPr lang="en-IE" b="0" i="1" dirty="0" smtClean="0">
-                        <a:latin typeface="Cambria Math" panose="02040503050406030204" pitchFamily="18" charset="0"/>
-                      </a:rPr>
-                      <m:t>𝑏</m:t>
-                    </m:r>
-                    <m:r>
-                      <a:rPr lang="en-IE" b="0" i="1" dirty="0" smtClean="0">
-                        <a:latin typeface="Cambria Math" panose="02040503050406030204" pitchFamily="18" charset="0"/>
-                      </a:rPr>
-                      <m:t>+</m:t>
-                    </m:r>
-                    <m:r>
-                      <a:rPr lang="en-IE" b="0" i="1" dirty="0" smtClean="0">
-                        <a:latin typeface="Cambria Math" panose="02040503050406030204" pitchFamily="18" charset="0"/>
-                      </a:rPr>
-                      <m:t>𝑤</m:t>
-                    </m:r>
-                    <m:r>
-                      <a:rPr lang="en-IE" b="0" i="1" dirty="0" smtClean="0">
-                        <a:latin typeface="Cambria Math" panose="02040503050406030204" pitchFamily="18" charset="0"/>
-                      </a:rPr>
-                      <m:t> </m:t>
-                    </m:r>
-                    <m:r>
-                      <a:rPr lang="en-IE" b="0" i="1" dirty="0" smtClean="0">
-                        <a:latin typeface="Cambria Math" panose="02040503050406030204" pitchFamily="18" charset="0"/>
-                      </a:rPr>
-                      <m:t>𝑥</m:t>
-                    </m:r>
-                  </m:oMath>
-                </a14:m>
-                <a:endParaRPr lang="en-IE" b="0" dirty="0"/>
-              </a:p>
-              <a:p>
                 <a:r>
                   <a:rPr lang="en-US" dirty="0"/>
-                  <a:t>Then the residual sum of squares is </a:t>
+                  <a:t>he residual sum of squares is </a:t>
                 </a:r>
                 <a14:m>
                   <m:oMath xmlns:m="http://schemas.openxmlformats.org/officeDocument/2006/math">
@@ -10918,7 +10944,7 @@
               <a:p>
                 <a:r>
                   <a:rPr lang="en-US" dirty="0"/>
-                  <a:t>Find the values of </a:t>
+                  <a:t>Can also find the values of </a:t>
                 </a:r>
                 <a14:m>
                   <m:oMath xmlns:m="http://schemas.openxmlformats.org/officeDocument/2006/math">
@@ -10946,13 +10972,13 @@
                 </a14:m>
                 <a:r>
                   <a:rPr lang="en-US" dirty="0"/>
-                  <a:t> that minimize the values of RMSE.</a:t>
+                  <a:t> that minimize the values of RMSE (they’ll be the same).</a:t>
                 </a:r>
               </a:p>
             </p:txBody>
           </p:sp>
         </mc:Choice>
-        <mc:Fallback xmlns="">
+        <mc:Fallback>
           <p:sp>
             <p:nvSpPr>
               <p:cNvPr id="5" name="Content Placeholder 4">
@@ -10973,7 +10999,7 @@
               <a:blipFill>
                 <a:blip r:embed="rId2"/>
                 <a:stretch>
-                  <a:fillRect l="-1023" t="-2790" r="-1023"/>
+                  <a:fillRect l="-1169" t="-2937" r="-730" b="-2056"/>
                 </a:stretch>
               </a:blipFill>
             </p:spPr>
@@ -11595,8 +11621,8 @@
           </a:p>
         </p:txBody>
       </p:sp>
-      <mc:AlternateContent xmlns:mc="http://schemas.openxmlformats.org/markup-compatibility/2006" xmlns:a14="http://schemas.microsoft.com/office/drawing/2010/main">
-        <mc:Choice Requires="a14">
+      <mc:AlternateContent xmlns:mc="http://schemas.openxmlformats.org/markup-compatibility/2006">
+        <mc:Choice xmlns:a14="http://schemas.microsoft.com/office/drawing/2010/main" Requires="a14">
           <p:sp>
             <p:nvSpPr>
               <p:cNvPr id="3" name="Content Placeholder 2">
@@ -11618,6 +11644,9 @@
               <a:bodyPr/>
               <a:lstStyle/>
               <a:p>
+                <a:pPr marL="0" indent="0">
+                  <a:buNone/>
+                </a:pPr>
                 <a:r>
                   <a:rPr lang="en-US" dirty="0"/>
                   <a:t>Step 0: Provide initial values of </a:t>
@@ -11663,6 +11692,9 @@
                 <a:endParaRPr lang="en-US" dirty="0"/>
               </a:p>
               <a:p>
+                <a:pPr marL="0" indent="0">
+                  <a:buNone/>
+                </a:pPr>
                 <a:r>
                   <a:rPr lang="en-US" dirty="0"/>
                   <a:t>Step 1: Compute the loss (RMSE) with current </a:t>
@@ -11694,6 +11726,9 @@
                 <a:endParaRPr lang="en-US" dirty="0"/>
               </a:p>
               <a:p>
+                <a:pPr marL="0" indent="0">
+                  <a:buNone/>
+                </a:pPr>
                 <a:r>
                   <a:rPr lang="en-US" dirty="0"/>
                   <a:t>Step 2: Calculate gradients </a:t>
@@ -11782,6 +11817,9 @@
                 </a:r>
               </a:p>
               <a:p>
+                <a:pPr marL="0" indent="0">
+                  <a:buNone/>
+                </a:pPr>
                 <a:r>
                   <a:rPr lang="en-US" dirty="0"/>
                   <a:t>Step 3: Update parameters</a:t>
@@ -11811,7 +11849,7 @@
             </p:txBody>
           </p:sp>
         </mc:Choice>
-        <mc:Fallback xmlns="">
+        <mc:Fallback>
           <p:sp>
             <p:nvSpPr>
               <p:cNvPr id="3" name="Content Placeholder 2">
@@ -11832,7 +11870,7 @@
               <a:blipFill>
                 <a:blip r:embed="rId2"/>
                 <a:stretch>
-                  <a:fillRect l="-1368" t="-2439" r="-456"/>
+                  <a:fillRect l="-1534" t="-2349"/>
                 </a:stretch>
               </a:blipFill>
             </p:spPr>
@@ -11841,7 +11879,7 @@
               <a:lstStyle/>
               <a:p>
                 <a:r>
-                  <a:rPr lang="en-US">
+                  <a:rPr lang="en-IE">
                     <a:noFill/>
                   </a:rPr>
                   <a:t> </a:t>
@@ -13585,7 +13623,7 @@
             <a:pPr lvl="1"/>
             <a:r>
               <a:rPr lang="en-IE" dirty="0"/>
-              <a:t>(Validation set: used to compare different models.)</a:t>
+              <a:t>Validation set: used to compare different models.</a:t>
             </a:r>
           </a:p>
           <a:p>
@@ -13750,7 +13788,7 @@
             </a:pPr>
             <a:r>
               <a:rPr lang="en-US" sz="2800" dirty="0"/>
-              <a:t>Improves numerical stability and convergence.</a:t>
+              <a:t>Either improves numerical stability and convergence.</a:t>
             </a:r>
           </a:p>
           <a:p>
@@ -13894,7 +13932,7 @@
           <a:p>
             <a:r>
               <a:rPr lang="en-US" dirty="0"/>
-              <a:t>Use </a:t>
+              <a:t>Can use </a:t>
             </a:r>
             <a:r>
               <a:rPr lang="en-US" i="1" dirty="0"/>
@@ -14213,8 +14251,8 @@
           </a:p>
         </p:txBody>
       </p:sp>
-      <mc:AlternateContent xmlns:mc="http://schemas.openxmlformats.org/markup-compatibility/2006">
-        <mc:Choice xmlns:a14="http://schemas.microsoft.com/office/drawing/2010/main" Requires="a14">
+      <mc:AlternateContent xmlns:mc="http://schemas.openxmlformats.org/markup-compatibility/2006" xmlns:a14="http://schemas.microsoft.com/office/drawing/2010/main">
+        <mc:Choice Requires="a14">
           <p:sp>
             <p:nvSpPr>
               <p:cNvPr id="3" name="Content Placeholder 2">
@@ -14376,7 +14414,7 @@
             </p:txBody>
           </p:sp>
         </mc:Choice>
-        <mc:Fallback>
+        <mc:Fallback xmlns="">
           <p:sp>
             <p:nvSpPr>
               <p:cNvPr id="3" name="Content Placeholder 2">
@@ -14630,7 +14668,7 @@
           <a:p>
             <a:r>
               <a:rPr lang="en-US" dirty="0"/>
-              <a:t>Contains slides (PPT files), code (Python script files), and worksheets.</a:t>
+              <a:t>Contains slides (PPT files), code (Python script files), and worksheets (PDFs).</a:t>
             </a:r>
           </a:p>
           <a:p>
@@ -14643,7 +14681,18 @@
             <a:pPr lvl="1"/>
             <a:r>
               <a:rPr lang="en-US" dirty="0"/>
-              <a:t>Use git directly to download the materials</a:t>
+              <a:t>Use </a:t>
+            </a:r>
+            <a:r>
+              <a:rPr lang="en-US" dirty="0">
+                <a:latin typeface="Courier New" panose="02070309020205020404" pitchFamily="49" charset="0"/>
+                <a:cs typeface="Courier New" panose="02070309020205020404" pitchFamily="49" charset="0"/>
+              </a:rPr>
+              <a:t>git</a:t>
+            </a:r>
+            <a:r>
+              <a:rPr lang="en-US" dirty="0"/>
+              <a:t> directly to download the materials</a:t>
             </a:r>
           </a:p>
           <a:p>
@@ -14810,7 +14859,7 @@
                 </a14:m>
                 <a:r>
                   <a:rPr lang="en-US" dirty="0"/>
-                  <a:t> was defined as either hot (</a:t>
+                  <a:t> was instead defined as either hot (</a:t>
                 </a:r>
                 <a14:m>
                   <m:oMath xmlns:m="http://schemas.openxmlformats.org/officeDocument/2006/math">
@@ -14824,7 +14873,13 @@
                       <a:rPr lang="en-US" i="1" dirty="0" smtClean="0">
                         <a:latin typeface="Cambria Math" panose="02040503050406030204" pitchFamily="18" charset="0"/>
                       </a:rPr>
-                      <m:t> = 1</m:t>
+                      <m:t> = </m:t>
+                    </m:r>
+                    <m:r>
+                      <a:rPr lang="en-US" i="1" dirty="0" smtClean="0">
+                        <a:latin typeface="Cambria Math" panose="02040503050406030204" pitchFamily="18" charset="0"/>
+                      </a:rPr>
+                      <m:t>1</m:t>
                     </m:r>
                   </m:oMath>
                 </a14:m>
@@ -14844,7 +14899,13 @@
                       <a:rPr lang="en-US" i="1" dirty="0" smtClean="0">
                         <a:latin typeface="Cambria Math" panose="02040503050406030204" pitchFamily="18" charset="0"/>
                       </a:rPr>
-                      <m:t> = 0</m:t>
+                      <m:t> = </m:t>
+                    </m:r>
+                    <m:r>
+                      <a:rPr lang="en-US" i="1" dirty="0" smtClean="0">
+                        <a:latin typeface="Cambria Math" panose="02040503050406030204" pitchFamily="18" charset="0"/>
+                      </a:rPr>
+                      <m:t>0</m:t>
                     </m:r>
                   </m:oMath>
                 </a14:m>
@@ -16040,18 +16101,18 @@
             </a:r>
             <a:r>
               <a:rPr lang="en-US" dirty="0"/>
-              <a:t>file and ensure the </a:t>
+              <a:t>file (Linux) or </a:t>
             </a:r>
             <a:r>
               <a:rPr lang="en-US" dirty="0">
                 <a:latin typeface="Courier New" panose="02070309020205020404" pitchFamily="49" charset="0"/>
                 <a:cs typeface="Courier New" panose="02070309020205020404" pitchFamily="49" charset="0"/>
               </a:rPr>
-              <a:t>set_up.py</a:t>
+              <a:t>requirements_ECMWF_win.txt</a:t>
             </a:r>
             <a:r>
               <a:rPr lang="en-US" dirty="0"/>
-              <a:t> script runs.</a:t>
+              <a:t> (windows).</a:t>
             </a:r>
           </a:p>
         </p:txBody>
@@ -16305,15 +16366,7 @@
           <a:p>
             <a:r>
               <a:rPr lang="en-US" dirty="0"/>
-              <a:t>Designed for students with either AI </a:t>
-            </a:r>
-            <a:r>
-              <a:rPr lang="en-US" i="1" dirty="0"/>
-              <a:t>or</a:t>
-            </a:r>
-            <a:r>
-              <a:rPr lang="en-US" dirty="0"/>
-              <a:t> weather/climate background</a:t>
+              <a:t>Designed for students with either AI or weather/climate background</a:t>
             </a:r>
           </a:p>
           <a:p>
@@ -16342,8 +16395,8 @@
           </a:p>
         </p:txBody>
       </p:sp>
-      <mc:AlternateContent xmlns:mc="http://schemas.openxmlformats.org/markup-compatibility/2006" xmlns:a14="http://schemas.microsoft.com/office/drawing/2010/main">
-        <mc:Choice Requires="a14">
+      <mc:AlternateContent xmlns:mc="http://schemas.openxmlformats.org/markup-compatibility/2006">
+        <mc:Choice xmlns:a14="http://schemas.microsoft.com/office/drawing/2010/main" Requires="a14">
           <p:sp>
             <p:nvSpPr>
               <p:cNvPr id="4" name="TextBox 3">
@@ -16358,7 +16411,7 @@
             </p:nvSpPr>
             <p:spPr>
               <a:xfrm>
-                <a:off x="1116157" y="4823590"/>
+                <a:off x="1095685" y="4424340"/>
                 <a:ext cx="6846372" cy="1477328"/>
               </a:xfrm>
               <a:prstGeom prst="rect">
@@ -16436,7 +16489,7 @@
             </p:txBody>
           </p:sp>
         </mc:Choice>
-        <mc:Fallback xmlns="">
+        <mc:Fallback>
           <p:sp>
             <p:nvSpPr>
               <p:cNvPr id="4" name="TextBox 3">
@@ -16453,7 +16506,7 @@
             </p:nvSpPr>
             <p:spPr>
               <a:xfrm>
-                <a:off x="1116157" y="4823590"/>
+                <a:off x="1095685" y="4424340"/>
                 <a:ext cx="6846372" cy="1477328"/>
               </a:xfrm>
               <a:prstGeom prst="rect">
@@ -16462,7 +16515,7 @@
               <a:blipFill>
                 <a:blip r:embed="rId2"/>
                 <a:stretch>
-                  <a:fillRect t="-7627" b="-36441"/>
+                  <a:fillRect/>
                 </a:stretch>
               </a:blipFill>
             </p:spPr>
@@ -16471,7 +16524,7 @@
               <a:lstStyle/>
               <a:p>
                 <a:r>
-                  <a:rPr lang="en-US">
+                  <a:rPr lang="en-IE">
                     <a:noFill/>
                   </a:rPr>
                   <a:t> </a:t>
@@ -16700,7 +16753,7 @@
             <a:pPr lvl="1"/>
             <a:r>
               <a:rPr lang="en-US" dirty="0"/>
-              <a:t>2-3 hour self-guided coding exercise sheets in the afternoon</a:t>
+              <a:t>2-3 hour self-guided group exercises in the afternoon</a:t>
             </a:r>
           </a:p>
           <a:p>
